--- a/courses/sysprog/slides/lec17-string.pptx
+++ b/courses/sysprog/slides/lec17-string.pptx
@@ -1,6 +1,6 @@
 
 <file path=ppt/presentation.xml><?xml version="1.0" encoding="utf-8"?>
-<p:presentation xmlns:a="http://schemas.openxmlformats.org/drawingml/2006/main" xmlns:r="http://schemas.openxmlformats.org/officeDocument/2006/relationships" xmlns:p="http://schemas.openxmlformats.org/presentationml/2006/main" compatMode="1" saveSubsetFonts="1" autoCompressPictures="0">
+<p:presentation xmlns:a="http://schemas.openxmlformats.org/drawingml/2006/main" xmlns:r="http://schemas.openxmlformats.org/officeDocument/2006/relationships" xmlns:p="http://schemas.openxmlformats.org/presentationml/2006/main" saveSubsetFonts="1" autoCompressPictures="0">
   <p:sldMasterIdLst>
     <p:sldMasterId id="2147483649" r:id="rId1"/>
   </p:sldMasterIdLst>
@@ -5198,13 +5198,49 @@
               <a:buNone/>
             </a:pPr>
             <a:r>
-              <a:rPr lang="en-US" altLang="zh-CN" sz="2000" b="1">
-                <a:solidFill>
-                  <a:schemeClr val="folHlink"/>
+              <a:rPr lang="en-US" altLang="zh-CN" sz="2000" b="1" dirty="0">
+                <a:solidFill>
+                  <a:srgbClr val="0432FF"/>
                 </a:solidFill>
                 <a:latin typeface="Courier New" panose="02070309020205020404" pitchFamily="49" charset="0"/>
               </a:rPr>
-              <a:t>int String_size (String_t s)</a:t>
+              <a:t>int </a:t>
+            </a:r>
+            <a:r>
+              <a:rPr lang="en-US" altLang="zh-CN" sz="2000" b="1" dirty="0" err="1">
+                <a:solidFill>
+                  <a:srgbClr val="0432FF"/>
+                </a:solidFill>
+                <a:latin typeface="Courier New" panose="02070309020205020404" pitchFamily="49" charset="0"/>
+              </a:rPr>
+              <a:t>String_size</a:t>
+            </a:r>
+            <a:r>
+              <a:rPr lang="en-US" altLang="zh-CN" sz="2000" b="1" dirty="0">
+                <a:solidFill>
+                  <a:srgbClr val="0432FF"/>
+                </a:solidFill>
+                <a:latin typeface="Courier New" panose="02070309020205020404" pitchFamily="49" charset="0"/>
+              </a:rPr>
+              <a:t>(</a:t>
+            </a:r>
+            <a:r>
+              <a:rPr lang="en-US" altLang="zh-CN" sz="2000" b="1" dirty="0" err="1">
+                <a:solidFill>
+                  <a:srgbClr val="0432FF"/>
+                </a:solidFill>
+                <a:latin typeface="Courier New" panose="02070309020205020404" pitchFamily="49" charset="0"/>
+              </a:rPr>
+              <a:t>String_t</a:t>
+            </a:r>
+            <a:r>
+              <a:rPr lang="en-US" altLang="zh-CN" sz="2000" b="1" dirty="0">
+                <a:solidFill>
+                  <a:srgbClr val="0432FF"/>
+                </a:solidFill>
+                <a:latin typeface="Courier New" panose="02070309020205020404" pitchFamily="49" charset="0"/>
+              </a:rPr>
+              <a:t> s){</a:t>
             </a:r>
           </a:p>
           <a:p>
@@ -5216,13 +5252,31 @@
               <a:buNone/>
             </a:pPr>
             <a:r>
-              <a:rPr lang="en-US" altLang="zh-CN" sz="2000" b="1">
-                <a:solidFill>
-                  <a:schemeClr val="folHlink"/>
+              <a:rPr lang="en-US" altLang="zh-CN" sz="2000" b="1" dirty="0">
+                <a:solidFill>
+                  <a:srgbClr val="0432FF"/>
                 </a:solidFill>
                 <a:latin typeface="Courier New" panose="02070309020205020404" pitchFamily="49" charset="0"/>
               </a:rPr>
-              <a:t>{</a:t>
+              <a:t>  return </a:t>
+            </a:r>
+            <a:r>
+              <a:rPr lang="en-US" altLang="zh-CN" sz="2000" b="1" dirty="0" err="1">
+                <a:solidFill>
+                  <a:srgbClr val="0432FF"/>
+                </a:solidFill>
+                <a:latin typeface="Courier New" panose="02070309020205020404" pitchFamily="49" charset="0"/>
+              </a:rPr>
+              <a:t>strlen</a:t>
+            </a:r>
+            <a:r>
+              <a:rPr lang="en-US" altLang="zh-CN" sz="2000" b="1" dirty="0">
+                <a:solidFill>
+                  <a:srgbClr val="0432FF"/>
+                </a:solidFill>
+                <a:latin typeface="Courier New" panose="02070309020205020404" pitchFamily="49" charset="0"/>
+              </a:rPr>
+              <a:t>(s);</a:t>
             </a:r>
           </a:p>
           <a:p>
@@ -5234,13 +5288,13 @@
               <a:buNone/>
             </a:pPr>
             <a:r>
-              <a:rPr lang="en-US" altLang="zh-CN" sz="2000" b="1">
-                <a:solidFill>
-                  <a:schemeClr val="folHlink"/>
+              <a:rPr lang="en-US" altLang="zh-CN" sz="2000" b="1" dirty="0">
+                <a:solidFill>
+                  <a:srgbClr val="0432FF"/>
                 </a:solidFill>
                 <a:latin typeface="Courier New" panose="02070309020205020404" pitchFamily="49" charset="0"/>
               </a:rPr>
-              <a:t>  return strlen (s);</a:t>
+              <a:t>}</a:t>
             </a:r>
           </a:p>
           <a:p>
@@ -5251,15 +5305,12 @@
               <a:buFont typeface="Wingdings" pitchFamily="2" charset="2"/>
               <a:buNone/>
             </a:pPr>
-            <a:r>
-              <a:rPr lang="en-US" altLang="zh-CN" sz="2000" b="1">
-                <a:solidFill>
-                  <a:schemeClr val="folHlink"/>
-                </a:solidFill>
-                <a:latin typeface="Courier New" panose="02070309020205020404" pitchFamily="49" charset="0"/>
-              </a:rPr>
-              <a:t>}</a:t>
-            </a:r>
+            <a:endParaRPr lang="en-US" altLang="zh-CN" sz="2000" b="1" dirty="0">
+              <a:solidFill>
+                <a:srgbClr val="0432FF"/>
+              </a:solidFill>
+              <a:latin typeface="Courier New" panose="02070309020205020404" pitchFamily="49" charset="0"/>
+            </a:endParaRPr>
           </a:p>
           <a:p>
             <a:pPr>
@@ -5269,12 +5320,51 @@
               <a:buFont typeface="Wingdings" pitchFamily="2" charset="2"/>
               <a:buNone/>
             </a:pPr>
-            <a:endParaRPr lang="en-US" altLang="zh-CN" sz="2000" b="1">
-              <a:solidFill>
-                <a:schemeClr val="folHlink"/>
-              </a:solidFill>
-              <a:latin typeface="Courier New" panose="02070309020205020404" pitchFamily="49" charset="0"/>
-            </a:endParaRPr>
+            <a:r>
+              <a:rPr lang="en-US" altLang="zh-CN" sz="2000" b="1" dirty="0">
+                <a:solidFill>
+                  <a:srgbClr val="0432FF"/>
+                </a:solidFill>
+                <a:latin typeface="Courier New" panose="02070309020205020404" pitchFamily="49" charset="0"/>
+              </a:rPr>
+              <a:t>int </a:t>
+            </a:r>
+            <a:r>
+              <a:rPr lang="en-US" altLang="zh-CN" sz="2000" b="1" dirty="0" err="1">
+                <a:solidFill>
+                  <a:srgbClr val="0432FF"/>
+                </a:solidFill>
+                <a:latin typeface="Courier New" panose="02070309020205020404" pitchFamily="49" charset="0"/>
+              </a:rPr>
+              <a:t>String_nth</a:t>
+            </a:r>
+            <a:r>
+              <a:rPr lang="en-US" altLang="zh-CN" sz="2000" b="1" dirty="0">
+                <a:solidFill>
+                  <a:srgbClr val="0432FF"/>
+                </a:solidFill>
+                <a:latin typeface="Courier New" panose="02070309020205020404" pitchFamily="49" charset="0"/>
+              </a:rPr>
+              <a:t>(</a:t>
+            </a:r>
+            <a:r>
+              <a:rPr lang="en-US" altLang="zh-CN" sz="2000" b="1" dirty="0" err="1">
+                <a:solidFill>
+                  <a:srgbClr val="0432FF"/>
+                </a:solidFill>
+                <a:latin typeface="Courier New" panose="02070309020205020404" pitchFamily="49" charset="0"/>
+              </a:rPr>
+              <a:t>String_t</a:t>
+            </a:r>
+            <a:r>
+              <a:rPr lang="en-US" altLang="zh-CN" sz="2000" b="1" dirty="0">
+                <a:solidFill>
+                  <a:srgbClr val="0432FF"/>
+                </a:solidFill>
+                <a:latin typeface="Courier New" panose="02070309020205020404" pitchFamily="49" charset="0"/>
+              </a:rPr>
+              <a:t> s, int n){</a:t>
+            </a:r>
           </a:p>
           <a:p>
             <a:pPr>
@@ -5285,13 +5375,13 @@
               <a:buNone/>
             </a:pPr>
             <a:r>
-              <a:rPr lang="en-US" altLang="zh-CN" sz="2000" b="1">
-                <a:solidFill>
-                  <a:schemeClr val="folHlink"/>
+              <a:rPr lang="en-US" altLang="zh-CN" sz="2000" b="1" dirty="0">
+                <a:solidFill>
+                  <a:srgbClr val="0432FF"/>
                 </a:solidFill>
                 <a:latin typeface="Courier New" panose="02070309020205020404" pitchFamily="49" charset="0"/>
               </a:rPr>
-              <a:t>int String_nth (String_t s, int n)</a:t>
+              <a:t>  return s[n];</a:t>
             </a:r>
           </a:p>
           <a:p>
@@ -5303,13 +5393,13 @@
               <a:buNone/>
             </a:pPr>
             <a:r>
-              <a:rPr lang="en-US" altLang="zh-CN" sz="2000" b="1">
-                <a:solidFill>
-                  <a:schemeClr val="folHlink"/>
+              <a:rPr lang="en-US" altLang="zh-CN" sz="2000" b="1" dirty="0">
+                <a:solidFill>
+                  <a:srgbClr val="0432FF"/>
                 </a:solidFill>
                 <a:latin typeface="Courier New" panose="02070309020205020404" pitchFamily="49" charset="0"/>
               </a:rPr>
-              <a:t>{</a:t>
+              <a:t>}</a:t>
             </a:r>
           </a:p>
           <a:p>
@@ -5320,15 +5410,12 @@
               <a:buFont typeface="Wingdings" pitchFamily="2" charset="2"/>
               <a:buNone/>
             </a:pPr>
-            <a:r>
-              <a:rPr lang="en-US" altLang="zh-CN" sz="2000" b="1">
-                <a:solidFill>
-                  <a:schemeClr val="folHlink"/>
-                </a:solidFill>
-                <a:latin typeface="Courier New" panose="02070309020205020404" pitchFamily="49" charset="0"/>
-              </a:rPr>
-              <a:t>  return s[n];</a:t>
-            </a:r>
+            <a:endParaRPr lang="en-US" altLang="zh-CN" sz="2000" b="1" dirty="0">
+              <a:solidFill>
+                <a:schemeClr val="folHlink"/>
+              </a:solidFill>
+              <a:latin typeface="Courier New" panose="02070309020205020404" pitchFamily="49" charset="0"/>
+            </a:endParaRPr>
           </a:p>
           <a:p>
             <a:pPr>
@@ -5339,13 +5426,22 @@
               <a:buNone/>
             </a:pPr>
             <a:r>
-              <a:rPr lang="en-US" altLang="zh-CN" sz="2000" b="1">
-                <a:solidFill>
-                  <a:schemeClr val="folHlink"/>
-                </a:solidFill>
+              <a:rPr lang="en-US" altLang="zh-CN" sz="2000" b="1" dirty="0">
                 <a:latin typeface="Courier New" panose="02070309020205020404" pitchFamily="49" charset="0"/>
               </a:rPr>
-              <a:t>}</a:t>
+              <a:t>// Recall the type</a:t>
+            </a:r>
+            <a:r>
+              <a:rPr lang="zh-CN" altLang="en-US" sz="2000" b="1" dirty="0">
+                <a:latin typeface="Courier New" panose="02070309020205020404" pitchFamily="49" charset="0"/>
+              </a:rPr>
+              <a:t> </a:t>
+            </a:r>
+            <a:r>
+              <a:rPr lang="en-US" altLang="zh-CN" sz="2000" b="1" dirty="0">
+                <a:latin typeface="Courier New" panose="02070309020205020404" pitchFamily="49" charset="0"/>
+              </a:rPr>
+              <a:t>definition:</a:t>
             </a:r>
           </a:p>
           <a:p>
@@ -5356,12 +5452,42 @@
               <a:buFont typeface="Wingdings" pitchFamily="2" charset="2"/>
               <a:buNone/>
             </a:pPr>
-            <a:endParaRPr lang="en-US" altLang="zh-CN" sz="2000" b="1">
-              <a:solidFill>
-                <a:schemeClr val="folHlink"/>
-              </a:solidFill>
-              <a:latin typeface="Courier New" panose="02070309020205020404" pitchFamily="49" charset="0"/>
-            </a:endParaRPr>
+            <a:r>
+              <a:rPr lang="en-US" altLang="zh-CN" sz="2000" b="1" dirty="0" err="1">
+                <a:solidFill>
+                  <a:srgbClr val="0432FF"/>
+                </a:solidFill>
+                <a:latin typeface="Courier New" panose="02070309020205020404" pitchFamily="49" charset="0"/>
+              </a:rPr>
+              <a:t>typdef</a:t>
+            </a:r>
+            <a:r>
+              <a:rPr lang="en-US" altLang="zh-CN" sz="2000" b="1" dirty="0">
+                <a:solidFill>
+                  <a:srgbClr val="0432FF"/>
+                </a:solidFill>
+                <a:latin typeface="Courier New" panose="02070309020205020404" pitchFamily="49" charset="0"/>
+              </a:rPr>
+              <a:t> char *</a:t>
+            </a:r>
+            <a:r>
+              <a:rPr lang="en-US" altLang="zh-CN" sz="2000" b="1" dirty="0" err="1">
+                <a:solidFill>
+                  <a:srgbClr val="0432FF"/>
+                </a:solidFill>
+                <a:latin typeface="Courier New" panose="02070309020205020404" pitchFamily="49" charset="0"/>
+              </a:rPr>
+              <a:t>String_t</a:t>
+            </a:r>
+            <a:r>
+              <a:rPr lang="en-US" altLang="zh-CN" sz="2000" b="1" dirty="0">
+                <a:solidFill>
+                  <a:srgbClr val="0432FF"/>
+                </a:solidFill>
+                <a:latin typeface="Courier New" panose="02070309020205020404" pitchFamily="49" charset="0"/>
+              </a:rPr>
+              <a:t>;</a:t>
+            </a:r>
           </a:p>
           <a:p>
             <a:pPr>
@@ -5372,40 +5498,7 @@
               <a:buNone/>
             </a:pPr>
             <a:r>
-              <a:rPr lang="en-US" altLang="zh-CN" sz="2000" b="1">
-                <a:latin typeface="Courier New" panose="02070309020205020404" pitchFamily="49" charset="0"/>
-              </a:rPr>
-              <a:t>// Recall the definition</a:t>
-            </a:r>
-          </a:p>
-          <a:p>
-            <a:pPr>
-              <a:lnSpc>
-                <a:spcPct val="80000"/>
-              </a:lnSpc>
-              <a:buFont typeface="Wingdings" pitchFamily="2" charset="2"/>
-              <a:buNone/>
-            </a:pPr>
-            <a:r>
-              <a:rPr lang="en-US" altLang="zh-CN" sz="2000" b="1">
-                <a:solidFill>
-                  <a:schemeClr val="folHlink"/>
-                </a:solidFill>
-                <a:latin typeface="Courier New" panose="02070309020205020404" pitchFamily="49" charset="0"/>
-              </a:rPr>
-              <a:t>typdef char *String_t;</a:t>
-            </a:r>
-          </a:p>
-          <a:p>
-            <a:pPr>
-              <a:lnSpc>
-                <a:spcPct val="80000"/>
-              </a:lnSpc>
-              <a:buFont typeface="Wingdings" pitchFamily="2" charset="2"/>
-              <a:buNone/>
-            </a:pPr>
-            <a:r>
-              <a:rPr lang="en-US" altLang="zh-CN" sz="2000" b="1">
+              <a:rPr lang="en-US" altLang="zh-CN" sz="2000" b="1" dirty="0">
                 <a:latin typeface="Courier New" panose="02070309020205020404" pitchFamily="49" charset="0"/>
               </a:rPr>
               <a:t>// do we really need these functions?</a:t>
@@ -5528,7 +5621,7 @@
                                         <p:tgtEl>
                                           <p:spTgt spid="278531">
                                             <p:txEl>
-                                              <p:pRg st="10" end="10"/>
+                                              <p:pRg st="8" end="8"/>
                                             </p:txEl>
                                           </p:spTgt>
                                         </p:tgtEl>
@@ -5546,7 +5639,7 @@
                                         <p:tgtEl>
                                           <p:spTgt spid="278531">
                                             <p:txEl>
-                                              <p:pRg st="10" end="10"/>
+                                              <p:pRg st="8" end="8"/>
                                             </p:txEl>
                                           </p:spTgt>
                                         </p:tgtEl>
@@ -5571,7 +5664,7 @@
                                         <p:tgtEl>
                                           <p:spTgt spid="278531">
                                             <p:txEl>
-                                              <p:pRg st="11" end="11"/>
+                                              <p:pRg st="9" end="9"/>
                                             </p:txEl>
                                           </p:spTgt>
                                         </p:tgtEl>
@@ -5589,7 +5682,7 @@
                                         <p:tgtEl>
                                           <p:spTgt spid="278531">
                                             <p:txEl>
-                                              <p:pRg st="11" end="11"/>
+                                              <p:pRg st="9" end="9"/>
                                             </p:txEl>
                                           </p:spTgt>
                                         </p:tgtEl>
@@ -5614,7 +5707,7 @@
                                         <p:tgtEl>
                                           <p:spTgt spid="278531">
                                             <p:txEl>
-                                              <p:pRg st="12" end="12"/>
+                                              <p:pRg st="10" end="10"/>
                                             </p:txEl>
                                           </p:spTgt>
                                         </p:tgtEl>
@@ -5632,7 +5725,7 @@
                                         <p:tgtEl>
                                           <p:spTgt spid="278531">
                                             <p:txEl>
-                                              <p:pRg st="12" end="12"/>
+                                              <p:pRg st="10" end="10"/>
                                             </p:txEl>
                                           </p:spTgt>
                                         </p:tgtEl>
@@ -8310,13 +8403,76 @@
               <a:buNone/>
             </a:pPr>
             <a:r>
-              <a:rPr lang="en-US" altLang="zh-CN" sz="2000" b="1">
-                <a:solidFill>
-                  <a:schemeClr val="folHlink"/>
+              <a:rPr lang="en-US" altLang="zh-CN" sz="2000" b="1" dirty="0" err="1">
+                <a:solidFill>
+                  <a:srgbClr val="0432FF"/>
                 </a:solidFill>
                 <a:latin typeface="Courier New" panose="02070309020205020404" pitchFamily="49" charset="0"/>
               </a:rPr>
-              <a:t>String_t String_concat (String_t s1, String_t s2)</a:t>
+              <a:t>String_t</a:t>
+            </a:r>
+            <a:r>
+              <a:rPr lang="en-US" altLang="zh-CN" sz="2000" b="1" dirty="0">
+                <a:solidFill>
+                  <a:srgbClr val="0432FF"/>
+                </a:solidFill>
+                <a:latin typeface="Courier New" panose="02070309020205020404" pitchFamily="49" charset="0"/>
+              </a:rPr>
+              <a:t> </a:t>
+            </a:r>
+            <a:r>
+              <a:rPr lang="en-US" altLang="zh-CN" sz="2000" b="1" dirty="0" err="1">
+                <a:solidFill>
+                  <a:srgbClr val="0432FF"/>
+                </a:solidFill>
+                <a:latin typeface="Courier New" panose="02070309020205020404" pitchFamily="49" charset="0"/>
+              </a:rPr>
+              <a:t>String_concat</a:t>
+            </a:r>
+            <a:r>
+              <a:rPr lang="en-US" altLang="zh-CN" sz="2000" b="1" dirty="0">
+                <a:solidFill>
+                  <a:srgbClr val="0432FF"/>
+                </a:solidFill>
+                <a:latin typeface="Courier New" panose="02070309020205020404" pitchFamily="49" charset="0"/>
+              </a:rPr>
+              <a:t>(</a:t>
+            </a:r>
+            <a:r>
+              <a:rPr lang="en-US" altLang="zh-CN" sz="2000" b="1" dirty="0" err="1">
+                <a:solidFill>
+                  <a:srgbClr val="0432FF"/>
+                </a:solidFill>
+                <a:latin typeface="Courier New" panose="02070309020205020404" pitchFamily="49" charset="0"/>
+              </a:rPr>
+              <a:t>String_t</a:t>
+            </a:r>
+            <a:r>
+              <a:rPr lang="en-US" altLang="zh-CN" sz="2000" b="1" dirty="0">
+                <a:solidFill>
+                  <a:srgbClr val="0432FF"/>
+                </a:solidFill>
+                <a:latin typeface="Courier New" panose="02070309020205020404" pitchFamily="49" charset="0"/>
+              </a:rPr>
+              <a:t> s1, </a:t>
+            </a:r>
+            <a:r>
+              <a:rPr lang="en-US" altLang="zh-CN" sz="2000" b="1" dirty="0" err="1">
+                <a:solidFill>
+                  <a:srgbClr val="0432FF"/>
+                </a:solidFill>
+                <a:latin typeface="Courier New" panose="02070309020205020404" pitchFamily="49" charset="0"/>
+              </a:rPr>
+              <a:t>String_t</a:t>
+            </a:r>
+            <a:r>
+              <a:rPr lang="en-US" altLang="zh-CN" sz="2000" b="1" dirty="0">
+                <a:solidFill>
+                  <a:srgbClr val="0432FF"/>
+                </a:solidFill>
+                <a:latin typeface="Courier New" panose="02070309020205020404" pitchFamily="49" charset="0"/>
+              </a:rPr>
+              <a:t> s2){</a:t>
             </a:r>
           </a:p>
           <a:p>
@@ -8328,13 +8484,31 @@
               <a:buNone/>
             </a:pPr>
             <a:r>
-              <a:rPr lang="en-US" altLang="zh-CN" sz="2000" b="1">
-                <a:solidFill>
-                  <a:schemeClr val="folHlink"/>
+              <a:rPr lang="en-US" altLang="zh-CN" sz="2000" b="1" dirty="0">
+                <a:solidFill>
+                  <a:srgbClr val="0432FF"/>
                 </a:solidFill>
                 <a:latin typeface="Courier New" panose="02070309020205020404" pitchFamily="49" charset="0"/>
               </a:rPr>
-              <a:t>{</a:t>
+              <a:t>  int n1 = </a:t>
+            </a:r>
+            <a:r>
+              <a:rPr lang="en-US" altLang="zh-CN" sz="2000" b="1" dirty="0" err="1">
+                <a:solidFill>
+                  <a:srgbClr val="0432FF"/>
+                </a:solidFill>
+                <a:latin typeface="Courier New" panose="02070309020205020404" pitchFamily="49" charset="0"/>
+              </a:rPr>
+              <a:t>strlen</a:t>
+            </a:r>
+            <a:r>
+              <a:rPr lang="en-US" altLang="zh-CN" sz="2000" b="1" dirty="0">
+                <a:solidFill>
+                  <a:srgbClr val="0432FF"/>
+                </a:solidFill>
+                <a:latin typeface="Courier New" panose="02070309020205020404" pitchFamily="49" charset="0"/>
+              </a:rPr>
+              <a:t>(s1);</a:t>
             </a:r>
           </a:p>
           <a:p>
@@ -8346,13 +8520,31 @@
               <a:buNone/>
             </a:pPr>
             <a:r>
-              <a:rPr lang="en-US" altLang="zh-CN" sz="2000" b="1">
-                <a:solidFill>
-                  <a:schemeClr val="folHlink"/>
+              <a:rPr lang="en-US" altLang="zh-CN" sz="2000" b="1" dirty="0">
+                <a:solidFill>
+                  <a:srgbClr val="0432FF"/>
                 </a:solidFill>
                 <a:latin typeface="Courier New" panose="02070309020205020404" pitchFamily="49" charset="0"/>
               </a:rPr>
-              <a:t>  int n1 = strlen (s1);</a:t>
+              <a:t>  int n2 = </a:t>
+            </a:r>
+            <a:r>
+              <a:rPr lang="en-US" altLang="zh-CN" sz="2000" b="1" dirty="0" err="1">
+                <a:solidFill>
+                  <a:srgbClr val="0432FF"/>
+                </a:solidFill>
+                <a:latin typeface="Courier New" panose="02070309020205020404" pitchFamily="49" charset="0"/>
+              </a:rPr>
+              <a:t>strlen</a:t>
+            </a:r>
+            <a:r>
+              <a:rPr lang="en-US" altLang="zh-CN" sz="2000" b="1" dirty="0">
+                <a:solidFill>
+                  <a:srgbClr val="0432FF"/>
+                </a:solidFill>
+                <a:latin typeface="Courier New" panose="02070309020205020404" pitchFamily="49" charset="0"/>
+              </a:rPr>
+              <a:t>(s2);</a:t>
             </a:r>
           </a:p>
           <a:p>
@@ -8363,15 +8555,12 @@
               <a:buFont typeface="Wingdings" pitchFamily="2" charset="2"/>
               <a:buNone/>
             </a:pPr>
-            <a:r>
-              <a:rPr lang="en-US" altLang="zh-CN" sz="2000" b="1">
-                <a:solidFill>
-                  <a:schemeClr val="folHlink"/>
-                </a:solidFill>
-                <a:latin typeface="Courier New" panose="02070309020205020404" pitchFamily="49" charset="0"/>
-              </a:rPr>
-              <a:t>  int n2 = strlen (s2);</a:t>
-            </a:r>
+            <a:endParaRPr lang="en-US" altLang="zh-CN" sz="2000" b="1" dirty="0">
+              <a:solidFill>
+                <a:srgbClr val="0432FF"/>
+              </a:solidFill>
+              <a:latin typeface="Courier New" panose="02070309020205020404" pitchFamily="49" charset="0"/>
+            </a:endParaRPr>
           </a:p>
           <a:p>
             <a:pPr>
@@ -8381,12 +8570,78 @@
               <a:buFont typeface="Wingdings" pitchFamily="2" charset="2"/>
               <a:buNone/>
             </a:pPr>
-            <a:endParaRPr lang="en-US" altLang="zh-CN" sz="2000" b="1">
-              <a:solidFill>
-                <a:schemeClr val="folHlink"/>
-              </a:solidFill>
-              <a:latin typeface="Courier New" panose="02070309020205020404" pitchFamily="49" charset="0"/>
-            </a:endParaRPr>
+            <a:r>
+              <a:rPr lang="en-US" altLang="zh-CN" sz="2000" b="1" dirty="0">
+                <a:solidFill>
+                  <a:srgbClr val="0432FF"/>
+                </a:solidFill>
+                <a:latin typeface="Courier New" panose="02070309020205020404" pitchFamily="49" charset="0"/>
+              </a:rPr>
+              <a:t>  </a:t>
+            </a:r>
+            <a:r>
+              <a:rPr lang="en-US" altLang="zh-CN" sz="2000" b="1" dirty="0" err="1">
+                <a:solidFill>
+                  <a:srgbClr val="0432FF"/>
+                </a:solidFill>
+                <a:latin typeface="Courier New" panose="02070309020205020404" pitchFamily="49" charset="0"/>
+              </a:rPr>
+              <a:t>Strint_t</a:t>
+            </a:r>
+            <a:r>
+              <a:rPr lang="en-US" altLang="zh-CN" sz="2000" b="1" dirty="0">
+                <a:solidFill>
+                  <a:srgbClr val="0432FF"/>
+                </a:solidFill>
+                <a:latin typeface="Courier New" panose="02070309020205020404" pitchFamily="49" charset="0"/>
+              </a:rPr>
+              <a:t> p = </a:t>
+            </a:r>
+            <a:r>
+              <a:rPr lang="en-US" altLang="zh-CN" sz="2000" b="1" dirty="0" err="1">
+                <a:solidFill>
+                  <a:srgbClr val="0432FF"/>
+                </a:solidFill>
+                <a:latin typeface="Courier New" panose="02070309020205020404" pitchFamily="49" charset="0"/>
+              </a:rPr>
+              <a:t>calloc</a:t>
+            </a:r>
+            <a:r>
+              <a:rPr lang="en-US" altLang="zh-CN" sz="2000" b="1" dirty="0">
+                <a:solidFill>
+                  <a:srgbClr val="0432FF"/>
+                </a:solidFill>
+                <a:latin typeface="Courier New" panose="02070309020205020404" pitchFamily="49" charset="0"/>
+              </a:rPr>
+              <a:t>(n1+n2+1,</a:t>
+            </a:r>
+            <a:r>
+              <a:rPr lang="zh-CN" altLang="en-US" sz="2000" b="1" dirty="0">
+                <a:solidFill>
+                  <a:srgbClr val="0432FF"/>
+                </a:solidFill>
+                <a:latin typeface="Courier New" panose="02070309020205020404" pitchFamily="49" charset="0"/>
+              </a:rPr>
+              <a:t> </a:t>
+            </a:r>
+            <a:r>
+              <a:rPr lang="en-US" altLang="zh-CN" sz="2000" b="1" dirty="0" err="1">
+                <a:solidFill>
+                  <a:srgbClr val="0432FF"/>
+                </a:solidFill>
+                <a:latin typeface="Courier New" panose="02070309020205020404" pitchFamily="49" charset="0"/>
+              </a:rPr>
+              <a:t>sizeof</a:t>
+            </a:r>
+            <a:r>
+              <a:rPr lang="en-US" altLang="zh-CN" sz="2000" b="1" dirty="0">
+                <a:solidFill>
+                  <a:srgbClr val="0432FF"/>
+                </a:solidFill>
+                <a:latin typeface="Courier New" panose="02070309020205020404" pitchFamily="49" charset="0"/>
+              </a:rPr>
+              <a:t>(*p));</a:t>
+            </a:r>
           </a:p>
           <a:p>
             <a:pPr>
@@ -8396,15 +8651,12 @@
               <a:buFont typeface="Wingdings" pitchFamily="2" charset="2"/>
               <a:buNone/>
             </a:pPr>
-            <a:r>
-              <a:rPr lang="en-US" altLang="zh-CN" sz="2000" b="1">
-                <a:solidFill>
-                  <a:schemeClr val="folHlink"/>
-                </a:solidFill>
-                <a:latin typeface="Courier New" panose="02070309020205020404" pitchFamily="49" charset="0"/>
-              </a:rPr>
-              <a:t>  Strint_t p = malloc ((n1+n2+1) *sizeof(*p));</a:t>
-            </a:r>
+            <a:endParaRPr lang="en-US" altLang="zh-CN" sz="2000" b="1" dirty="0">
+              <a:solidFill>
+                <a:srgbClr val="0432FF"/>
+              </a:solidFill>
+              <a:latin typeface="Courier New" panose="02070309020205020404" pitchFamily="49" charset="0"/>
+            </a:endParaRPr>
           </a:p>
           <a:p>
             <a:pPr>
@@ -8414,12 +8666,21 @@
               <a:buFont typeface="Wingdings" pitchFamily="2" charset="2"/>
               <a:buNone/>
             </a:pPr>
-            <a:endParaRPr lang="en-US" altLang="zh-CN" sz="2000" b="1">
-              <a:solidFill>
-                <a:schemeClr val="folHlink"/>
-              </a:solidFill>
-              <a:latin typeface="Courier New" panose="02070309020205020404" pitchFamily="49" charset="0"/>
-            </a:endParaRPr>
+            <a:r>
+              <a:rPr lang="en-US" altLang="zh-CN" sz="2000" b="1" dirty="0">
+                <a:solidFill>
+                  <a:schemeClr val="folHlink"/>
+                </a:solidFill>
+                <a:latin typeface="Courier New" panose="02070309020205020404" pitchFamily="49" charset="0"/>
+              </a:rPr>
+              <a:t>  </a:t>
+            </a:r>
+            <a:r>
+              <a:rPr lang="en-US" altLang="zh-CN" sz="2000" b="1" dirty="0">
+                <a:latin typeface="Courier New" panose="02070309020205020404" pitchFamily="49" charset="0"/>
+              </a:rPr>
+              <a:t>// copy both s1 and s2 to p, leave to you</a:t>
+            </a:r>
           </a:p>
           <a:p>
             <a:pPr>
@@ -8430,19 +8691,22 @@
               <a:buNone/>
             </a:pPr>
             <a:r>
-              <a:rPr lang="en-US" altLang="zh-CN" sz="2000" b="1">
+              <a:rPr lang="en-US" altLang="zh-CN" sz="2000" b="1" dirty="0">
                 <a:solidFill>
                   <a:schemeClr val="folHlink"/>
                 </a:solidFill>
                 <a:latin typeface="Courier New" panose="02070309020205020404" pitchFamily="49" charset="0"/>
               </a:rPr>
-              <a:t>  </a:t>
-            </a:r>
-            <a:r>
-              <a:rPr lang="en-US" altLang="zh-CN" sz="2000" b="1">
+              <a:t>	</a:t>
+            </a:r>
+            <a:r>
+              <a:rPr lang="en-US" altLang="zh-CN" sz="2000" b="1" dirty="0">
+                <a:solidFill>
+                  <a:srgbClr val="0432FF"/>
+                </a:solidFill>
                 <a:latin typeface="Courier New" panose="02070309020205020404" pitchFamily="49" charset="0"/>
               </a:rPr>
-              <a:t>// copy both s1 and s2 to p, leave to you</a:t>
+              <a:t>…;</a:t>
             </a:r>
           </a:p>
           <a:p>
@@ -8453,15 +8717,12 @@
               <a:buFont typeface="Wingdings" pitchFamily="2" charset="2"/>
               <a:buNone/>
             </a:pPr>
-            <a:r>
-              <a:rPr lang="en-US" altLang="zh-CN" sz="2000" b="1">
-                <a:solidFill>
-                  <a:schemeClr val="folHlink"/>
-                </a:solidFill>
-                <a:latin typeface="Courier New" panose="02070309020205020404" pitchFamily="49" charset="0"/>
-              </a:rPr>
-              <a:t>	…;</a:t>
-            </a:r>
+            <a:endParaRPr lang="en-US" altLang="zh-CN" sz="2000" b="1" dirty="0">
+              <a:solidFill>
+                <a:srgbClr val="0432FF"/>
+              </a:solidFill>
+              <a:latin typeface="Courier New" panose="02070309020205020404" pitchFamily="49" charset="0"/>
+            </a:endParaRPr>
           </a:p>
           <a:p>
             <a:pPr>
@@ -8471,12 +8732,15 @@
               <a:buFont typeface="Wingdings" pitchFamily="2" charset="2"/>
               <a:buNone/>
             </a:pPr>
-            <a:endParaRPr lang="en-US" altLang="zh-CN" sz="2000" b="1">
-              <a:solidFill>
-                <a:schemeClr val="folHlink"/>
-              </a:solidFill>
-              <a:latin typeface="Courier New" panose="02070309020205020404" pitchFamily="49" charset="0"/>
-            </a:endParaRPr>
+            <a:r>
+              <a:rPr lang="en-US" altLang="zh-CN" sz="2000" b="1" dirty="0">
+                <a:solidFill>
+                  <a:srgbClr val="0432FF"/>
+                </a:solidFill>
+                <a:latin typeface="Courier New" panose="02070309020205020404" pitchFamily="49" charset="0"/>
+              </a:rPr>
+              <a:t>  return p;</a:t>
+            </a:r>
           </a:p>
           <a:p>
             <a:pPr>
@@ -8487,27 +8751,9 @@
               <a:buNone/>
             </a:pPr>
             <a:r>
-              <a:rPr lang="en-US" altLang="zh-CN" sz="2000" b="1">
-                <a:solidFill>
-                  <a:schemeClr val="folHlink"/>
-                </a:solidFill>
-                <a:latin typeface="Courier New" panose="02070309020205020404" pitchFamily="49" charset="0"/>
-              </a:rPr>
-              <a:t>  return p;</a:t>
-            </a:r>
-          </a:p>
-          <a:p>
-            <a:pPr>
-              <a:lnSpc>
-                <a:spcPct val="80000"/>
-              </a:lnSpc>
-              <a:buFont typeface="Wingdings" pitchFamily="2" charset="2"/>
-              <a:buNone/>
-            </a:pPr>
-            <a:r>
-              <a:rPr lang="en-US" altLang="zh-CN" sz="2000" b="1">
-                <a:solidFill>
-                  <a:schemeClr val="folHlink"/>
+              <a:rPr lang="en-US" altLang="zh-CN" sz="2000" b="1" dirty="0">
+                <a:solidFill>
+                  <a:srgbClr val="0432FF"/>
                 </a:solidFill>
                 <a:latin typeface="Courier New" panose="02070309020205020404" pitchFamily="49" charset="0"/>
               </a:rPr>
@@ -8699,114 +8945,174 @@
           <a:lstStyle/>
           <a:p>
             <a:r>
-              <a:rPr lang="en-US" altLang="zh-CN" sz="2800"/>
+              <a:rPr lang="en-US" altLang="zh-CN" sz="2800" dirty="0"/>
               <a:t>It may be too slow:</a:t>
             </a:r>
           </a:p>
           <a:p>
             <a:pPr lvl="1"/>
             <a:r>
-              <a:rPr lang="en-US" altLang="zh-CN" sz="2400"/>
+              <a:rPr lang="en-US" altLang="zh-CN" sz="2400" dirty="0"/>
               <a:t>consider how to implement this:</a:t>
             </a:r>
           </a:p>
           <a:p>
             <a:pPr lvl="1"/>
             <a:r>
-              <a:rPr lang="en-US" altLang="zh-CN" sz="2400"/>
-              <a:t>int strcmp(char *dst, char *src);</a:t>
-            </a:r>
-          </a:p>
-          <a:p>
-            <a:r>
-              <a:rPr lang="en-US" altLang="zh-CN" sz="2800"/>
+              <a:rPr lang="en-US" altLang="zh-CN" sz="2400" dirty="0">
+                <a:solidFill>
+                  <a:srgbClr val="0432FF"/>
+                </a:solidFill>
+              </a:rPr>
+              <a:t>int </a:t>
+            </a:r>
+            <a:r>
+              <a:rPr lang="en-US" altLang="zh-CN" sz="2400" dirty="0" err="1">
+                <a:solidFill>
+                  <a:srgbClr val="0432FF"/>
+                </a:solidFill>
+              </a:rPr>
+              <a:t>strcmp</a:t>
+            </a:r>
+            <a:r>
+              <a:rPr lang="en-US" altLang="zh-CN" sz="2400" dirty="0">
+                <a:solidFill>
+                  <a:srgbClr val="0432FF"/>
+                </a:solidFill>
+              </a:rPr>
+              <a:t>(char *</a:t>
+            </a:r>
+            <a:r>
+              <a:rPr lang="en-US" altLang="zh-CN" sz="2400" dirty="0" err="1">
+                <a:solidFill>
+                  <a:srgbClr val="0432FF"/>
+                </a:solidFill>
+              </a:rPr>
+              <a:t>dst</a:t>
+            </a:r>
+            <a:r>
+              <a:rPr lang="en-US" altLang="zh-CN" sz="2400" dirty="0">
+                <a:solidFill>
+                  <a:srgbClr val="0432FF"/>
+                </a:solidFill>
+              </a:rPr>
+              <a:t>, char *</a:t>
+            </a:r>
+            <a:r>
+              <a:rPr lang="en-US" altLang="zh-CN" sz="2400" dirty="0" err="1">
+                <a:solidFill>
+                  <a:srgbClr val="0432FF"/>
+                </a:solidFill>
+              </a:rPr>
+              <a:t>src</a:t>
+            </a:r>
+            <a:r>
+              <a:rPr lang="en-US" altLang="zh-CN" sz="2400" dirty="0">
+                <a:solidFill>
+                  <a:srgbClr val="0432FF"/>
+                </a:solidFill>
+              </a:rPr>
+              <a:t>);</a:t>
+            </a:r>
+          </a:p>
+          <a:p>
+            <a:r>
+              <a:rPr lang="en-US" altLang="zh-CN" sz="2800" dirty="0"/>
               <a:t>It may be too space consuming:</a:t>
             </a:r>
           </a:p>
           <a:p>
             <a:pPr lvl="1"/>
             <a:r>
-              <a:rPr lang="en-US" altLang="zh-CN" sz="2400"/>
+              <a:rPr lang="en-US" altLang="zh-CN" sz="2400" dirty="0"/>
               <a:t>e.g., these two calls generate two strings:</a:t>
             </a:r>
           </a:p>
           <a:p>
             <a:pPr lvl="2"/>
             <a:r>
-              <a:rPr lang="en-US" altLang="zh-CN" sz="2000"/>
-              <a:t>String_new (</a:t>
-            </a:r>
-            <a:r>
-              <a:rPr lang="en-US" altLang="zh-CN" sz="2000">
+              <a:rPr lang="en-US" altLang="zh-CN" sz="2000" dirty="0" err="1"/>
+              <a:t>String_new</a:t>
+            </a:r>
+            <a:r>
+              <a:rPr lang="en-US" altLang="zh-CN" sz="2000" dirty="0"/>
+              <a:t> (</a:t>
+            </a:r>
+            <a:r>
+              <a:rPr lang="en-US" altLang="zh-CN" sz="2000" dirty="0">
                 <a:latin typeface="Arial" panose="020B0604020202020204" pitchFamily="34" charset="0"/>
               </a:rPr>
               <a:t>“</a:t>
             </a:r>
             <a:r>
-              <a:rPr lang="en-US" altLang="zh-CN" sz="2000"/>
+              <a:rPr lang="en-US" altLang="zh-CN" sz="2000" dirty="0"/>
               <a:t>hello</a:t>
             </a:r>
             <a:r>
-              <a:rPr lang="en-US" altLang="zh-CN" sz="2000">
+              <a:rPr lang="en-US" altLang="zh-CN" sz="2000" dirty="0">
                 <a:latin typeface="Arial" panose="020B0604020202020204" pitchFamily="34" charset="0"/>
               </a:rPr>
               <a:t>”</a:t>
             </a:r>
             <a:r>
-              <a:rPr lang="en-US" altLang="zh-CN" sz="2000"/>
+              <a:rPr lang="en-US" altLang="zh-CN" sz="2000" dirty="0"/>
               <a:t>);</a:t>
             </a:r>
           </a:p>
           <a:p>
             <a:pPr lvl="2"/>
             <a:r>
-              <a:rPr lang="en-US" altLang="zh-CN" sz="2000"/>
-              <a:t>String_new (</a:t>
-            </a:r>
-            <a:r>
-              <a:rPr lang="en-US" altLang="zh-CN" sz="2000">
+              <a:rPr lang="en-US" altLang="zh-CN" sz="2000" dirty="0" err="1"/>
+              <a:t>String_new</a:t>
+            </a:r>
+            <a:r>
+              <a:rPr lang="en-US" altLang="zh-CN" sz="2000" dirty="0"/>
+              <a:t> (</a:t>
+            </a:r>
+            <a:r>
+              <a:rPr lang="en-US" altLang="zh-CN" sz="2000" dirty="0">
                 <a:latin typeface="Arial" panose="020B0604020202020204" pitchFamily="34" charset="0"/>
               </a:rPr>
               <a:t>“</a:t>
             </a:r>
             <a:r>
-              <a:rPr lang="en-US" altLang="zh-CN" sz="2000"/>
+              <a:rPr lang="en-US" altLang="zh-CN" sz="2000" dirty="0"/>
               <a:t>hello</a:t>
             </a:r>
             <a:r>
-              <a:rPr lang="en-US" altLang="zh-CN" sz="2000">
+              <a:rPr lang="en-US" altLang="zh-CN" sz="2000" dirty="0">
                 <a:latin typeface="Arial" panose="020B0604020202020204" pitchFamily="34" charset="0"/>
               </a:rPr>
               <a:t>”</a:t>
             </a:r>
             <a:r>
-              <a:rPr lang="en-US" altLang="zh-CN" sz="2000"/>
+              <a:rPr lang="en-US" altLang="zh-CN" sz="2000" dirty="0"/>
               <a:t>);</a:t>
             </a:r>
           </a:p>
           <a:p>
             <a:r>
-              <a:rPr lang="en-US" altLang="zh-CN" sz="2800"/>
+              <a:rPr lang="en-US" altLang="zh-CN" sz="2800" dirty="0"/>
               <a:t>So, we need a high-level </a:t>
             </a:r>
             <a:r>
-              <a:rPr lang="en-US" altLang="zh-CN" sz="2800">
+              <a:rPr lang="en-US" altLang="zh-CN" sz="2800" dirty="0">
                 <a:latin typeface="Arial" panose="020B0604020202020204" pitchFamily="34" charset="0"/>
               </a:rPr>
               <a:t>“</a:t>
             </a:r>
             <a:r>
-              <a:rPr lang="en-US" altLang="zh-CN" sz="2800"/>
+              <a:rPr lang="en-US" altLang="zh-CN" sz="2800" dirty="0"/>
               <a:t>string</a:t>
             </a:r>
             <a:r>
-              <a:rPr lang="en-US" altLang="zh-CN" sz="2800">
+              <a:rPr lang="en-US" altLang="zh-CN" sz="2800" dirty="0">
                 <a:latin typeface="Arial" panose="020B0604020202020204" pitchFamily="34" charset="0"/>
               </a:rPr>
               <a:t>”</a:t>
             </a:r>
             <a:r>
-              <a:rPr lang="en-US" altLang="zh-CN" sz="2800"/>
+              <a:rPr lang="en-US" altLang="zh-CN" sz="2800" dirty="0"/>
               <a:t> to resolve these</a:t>
             </a:r>
           </a:p>
@@ -13531,13 +13837,76 @@
               <a:buNone/>
             </a:pPr>
             <a:r>
+              <a:rPr lang="en-US" altLang="zh-CN" sz="2000" b="1" dirty="0">
+                <a:solidFill>
+                  <a:schemeClr val="folHlink"/>
+                </a:solidFill>
+                <a:latin typeface="Courier New" panose="02070309020205020404" pitchFamily="49" charset="0"/>
+              </a:rPr>
+              <a:t>int </a:t>
+            </a:r>
+            <a:r>
+              <a:rPr lang="en-US" altLang="zh-CN" sz="2000" b="1" dirty="0" err="1">
+                <a:solidFill>
+                  <a:schemeClr val="folHlink"/>
+                </a:solidFill>
+                <a:latin typeface="Courier New" panose="02070309020205020404" pitchFamily="49" charset="0"/>
+              </a:rPr>
+              <a:t>Str</a:t>
+            </a:r>
+            <a:r>
+              <a:rPr lang="en-US" altLang="zh-CN" sz="2000" b="1" err="1">
+                <a:solidFill>
+                  <a:schemeClr val="folHlink"/>
+                </a:solidFill>
+                <a:latin typeface="Courier New" panose="02070309020205020404" pitchFamily="49" charset="0"/>
+              </a:rPr>
+              <a:t>_</a:t>
+            </a:r>
+            <a:r>
               <a:rPr lang="en-US" altLang="zh-CN" sz="2000" b="1">
                 <a:solidFill>
                   <a:schemeClr val="folHlink"/>
                 </a:solidFill>
                 <a:latin typeface="Courier New" panose="02070309020205020404" pitchFamily="49" charset="0"/>
               </a:rPr>
-              <a:t>int Str_equals (Str_t s1, Str_t s2)</a:t>
+              <a:t>equals(</a:t>
+            </a:r>
+            <a:r>
+              <a:rPr lang="en-US" altLang="zh-CN" sz="2000" b="1" dirty="0" err="1">
+                <a:solidFill>
+                  <a:schemeClr val="folHlink"/>
+                </a:solidFill>
+                <a:latin typeface="Courier New" panose="02070309020205020404" pitchFamily="49" charset="0"/>
+              </a:rPr>
+              <a:t>Str_t</a:t>
+            </a:r>
+            <a:r>
+              <a:rPr lang="en-US" altLang="zh-CN" sz="2000" b="1" dirty="0">
+                <a:solidFill>
+                  <a:schemeClr val="folHlink"/>
+                </a:solidFill>
+                <a:latin typeface="Courier New" panose="02070309020205020404" pitchFamily="49" charset="0"/>
+              </a:rPr>
+              <a:t> s1, </a:t>
+            </a:r>
+            <a:r>
+              <a:rPr lang="en-US" altLang="zh-CN" sz="2000" b="1" dirty="0" err="1">
+                <a:solidFill>
+                  <a:schemeClr val="folHlink"/>
+                </a:solidFill>
+                <a:latin typeface="Courier New" panose="02070309020205020404" pitchFamily="49" charset="0"/>
+              </a:rPr>
+              <a:t>Str_t</a:t>
+            </a:r>
+            <a:r>
+              <a:rPr lang="en-US" altLang="zh-CN" sz="2000" b="1" dirty="0">
+                <a:solidFill>
+                  <a:schemeClr val="folHlink"/>
+                </a:solidFill>
+                <a:latin typeface="Courier New" panose="02070309020205020404" pitchFamily="49" charset="0"/>
+              </a:rPr>
+              <a:t> s2)</a:t>
             </a:r>
           </a:p>
           <a:p>
@@ -13546,7 +13915,7 @@
               <a:buNone/>
             </a:pPr>
             <a:r>
-              <a:rPr lang="en-US" altLang="zh-CN" sz="2000" b="1">
+              <a:rPr lang="en-US" altLang="zh-CN" sz="2000" b="1" dirty="0">
                 <a:solidFill>
                   <a:schemeClr val="folHlink"/>
                 </a:solidFill>
@@ -13561,7 +13930,7 @@
               <a:buNone/>
             </a:pPr>
             <a:r>
-              <a:rPr lang="en-US" altLang="zh-CN" sz="2000" b="1">
+              <a:rPr lang="en-US" altLang="zh-CN" sz="2000" b="1" dirty="0">
                 <a:solidFill>
                   <a:schemeClr val="folHlink"/>
                 </a:solidFill>
@@ -13570,7 +13939,7 @@
               <a:t>  return s1==s2;        </a:t>
             </a:r>
             <a:r>
-              <a:rPr lang="en-US" altLang="zh-CN" sz="2000" b="1">
+              <a:rPr lang="en-US" altLang="zh-CN" sz="2000" b="1" dirty="0">
                 <a:latin typeface="Courier New" panose="02070309020205020404" pitchFamily="49" charset="0"/>
               </a:rPr>
               <a:t>// Fast!</a:t>
@@ -13582,7 +13951,7 @@
               <a:buNone/>
             </a:pPr>
             <a:r>
-              <a:rPr lang="en-US" altLang="zh-CN" sz="2000" b="1">
+              <a:rPr lang="en-US" altLang="zh-CN" sz="2000" b="1" dirty="0">
                 <a:solidFill>
                   <a:schemeClr val="folHlink"/>
                 </a:solidFill>
@@ -15419,115 +15788,103 @@
           <a:lstStyle/>
           <a:p>
             <a:r>
-              <a:rPr lang="en-US" altLang="zh-CN">
+              <a:rPr lang="en-US" altLang="zh-CN" dirty="0">
                 <a:sym typeface="Euclid Extra" pitchFamily="18" charset="2"/>
               </a:rPr>
-              <a:t>Weakness of C</a:t>
-            </a:r>
-            <a:r>
-              <a:rPr lang="en-US" altLang="zh-CN">
-                <a:latin typeface="Helvetica" pitchFamily="2" charset="0"/>
+              <a:t>Most strings are constants</a:t>
+            </a:r>
+          </a:p>
+          <a:p>
+            <a:pPr lvl="1"/>
+            <a:r>
+              <a:rPr lang="en-US" altLang="zh-CN" dirty="0">
                 <a:sym typeface="Euclid Extra" pitchFamily="18" charset="2"/>
               </a:rPr>
-              <a:t>’</a:t>
-            </a:r>
-            <a:r>
-              <a:rPr lang="en-US" altLang="zh-CN">
+              <a:t>Why?</a:t>
+            </a:r>
+          </a:p>
+          <a:p>
+            <a:pPr lvl="1"/>
+            <a:r>
+              <a:rPr lang="en-US" altLang="zh-CN" dirty="0">
                 <a:sym typeface="Euclid Extra" pitchFamily="18" charset="2"/>
               </a:rPr>
-              <a:t>s </a:t>
-            </a:r>
-            <a:r>
-              <a:rPr lang="en-US" altLang="zh-CN">
-                <a:latin typeface="Helvetica" pitchFamily="2" charset="0"/>
+              <a:t>May be space-consuming</a:t>
+            </a:r>
+          </a:p>
+          <a:p>
+            <a:pPr lvl="2"/>
+            <a:r>
+              <a:rPr lang="en-US" altLang="zh-CN" dirty="0">
                 <a:sym typeface="Euclid Extra" pitchFamily="18" charset="2"/>
               </a:rPr>
-              <a:t>“</a:t>
-            </a:r>
-            <a:r>
-              <a:rPr lang="en-US" altLang="zh-CN">
-                <a:solidFill>
-                  <a:schemeClr val="folHlink"/>
-                </a:solidFill>
+              <a:t>why?</a:t>
+            </a:r>
+            <a:r>
+              <a:rPr lang="zh-CN" altLang="en-US" dirty="0">
                 <a:sym typeface="Euclid Extra" pitchFamily="18" charset="2"/>
               </a:rPr>
-              <a:t>char *</a:t>
-            </a:r>
-            <a:r>
-              <a:rPr lang="en-US" altLang="zh-CN">
-                <a:latin typeface="Helvetica" pitchFamily="2" charset="0"/>
+              <a:t> </a:t>
+            </a:r>
+            <a:r>
+              <a:rPr lang="en-US" altLang="zh-CN" dirty="0">
                 <a:sym typeface="Euclid Extra" pitchFamily="18" charset="2"/>
               </a:rPr>
-              <a:t>”</a:t>
-            </a:r>
-            <a:r>
-              <a:rPr lang="en-US" altLang="zh-CN">
+              <a:t>what</a:t>
+            </a:r>
+            <a:r>
+              <a:rPr lang="zh-CN" altLang="en-US" dirty="0">
                 <a:sym typeface="Euclid Extra" pitchFamily="18" charset="2"/>
               </a:rPr>
-              <a:t> string:</a:t>
+              <a:t> </a:t>
+            </a:r>
+            <a:r>
+              <a:rPr lang="en-US" altLang="zh-CN" dirty="0">
+                <a:sym typeface="Euclid Extra" pitchFamily="18" charset="2"/>
+              </a:rPr>
+              <a:t>are</a:t>
+            </a:r>
+            <a:r>
+              <a:rPr lang="zh-CN" altLang="en-US" dirty="0">
+                <a:sym typeface="Euclid Extra" pitchFamily="18" charset="2"/>
+              </a:rPr>
+              <a:t> </a:t>
+            </a:r>
+            <a:r>
+              <a:rPr lang="en-US" altLang="zh-CN" dirty="0">
+                <a:sym typeface="Euclid Extra" pitchFamily="18" charset="2"/>
+              </a:rPr>
+              <a:t>intern?</a:t>
             </a:r>
           </a:p>
           <a:p>
             <a:pPr lvl="1"/>
             <a:r>
-              <a:rPr lang="en-US" altLang="zh-CN">
+              <a:rPr lang="en-US" altLang="zh-CN" dirty="0">
                 <a:sym typeface="Euclid Extra" pitchFamily="18" charset="2"/>
               </a:rPr>
-              <a:t>Most strings are constants</a:t>
+              <a:t>Operations may be too slow</a:t>
             </a:r>
           </a:p>
           <a:p>
             <a:pPr lvl="2"/>
             <a:r>
-              <a:rPr lang="en-US" altLang="zh-CN">
+              <a:rPr lang="en-US" altLang="zh-CN" dirty="0" err="1">
+                <a:solidFill>
+                  <a:srgbClr val="0432FF"/>
+                </a:solidFill>
                 <a:sym typeface="Euclid Extra" pitchFamily="18" charset="2"/>
               </a:rPr>
-              <a:t>See demo of C’s “char *”…</a:t>
-            </a:r>
-          </a:p>
-          <a:p>
-            <a:pPr lvl="2"/>
-            <a:r>
-              <a:rPr lang="en-US" altLang="zh-CN">
+              <a:t>strcmp</a:t>
+            </a:r>
+            <a:r>
+              <a:rPr lang="en-US" altLang="zh-CN" dirty="0">
+                <a:solidFill>
+                  <a:srgbClr val="0432FF"/>
+                </a:solidFill>
                 <a:sym typeface="Euclid Extra" pitchFamily="18" charset="2"/>
               </a:rPr>
-              <a:t>Why?</a:t>
-            </a:r>
-          </a:p>
-          <a:p>
-            <a:pPr lvl="1"/>
-            <a:r>
-              <a:rPr lang="en-US" altLang="zh-CN">
-                <a:sym typeface="Euclid Extra" pitchFamily="18" charset="2"/>
-              </a:rPr>
-              <a:t>May be space-consuming</a:t>
-            </a:r>
-          </a:p>
-          <a:p>
-            <a:pPr lvl="2"/>
-            <a:r>
-              <a:rPr lang="en-US" altLang="zh-CN">
-                <a:sym typeface="Euclid Extra" pitchFamily="18" charset="2"/>
-              </a:rPr>
-              <a:t>why?</a:t>
-            </a:r>
-          </a:p>
-          <a:p>
-            <a:pPr lvl="1"/>
-            <a:r>
-              <a:rPr lang="en-US" altLang="zh-CN">
-                <a:sym typeface="Euclid Extra" pitchFamily="18" charset="2"/>
-              </a:rPr>
-              <a:t>Operations may be too slow</a:t>
-            </a:r>
-          </a:p>
-          <a:p>
-            <a:pPr lvl="2"/>
-            <a:r>
-              <a:rPr lang="en-US" altLang="zh-CN">
-                <a:sym typeface="Euclid Extra" pitchFamily="18" charset="2"/>
-              </a:rPr>
-              <a:t>strcmp (char *, char *);</a:t>
+              <a:t>(char *, char *);</a:t>
             </a:r>
           </a:p>
         </p:txBody>
@@ -15612,7 +15969,7 @@
               </a:lnSpc>
             </a:pPr>
             <a:r>
-              <a:rPr lang="en-US" altLang="zh-CN">
+              <a:rPr lang="en-US" altLang="zh-CN" dirty="0">
                 <a:sym typeface="Euclid Extra" pitchFamily="18" charset="2"/>
               </a:rPr>
               <a:t>Some operations are dangerous:</a:t>
@@ -15625,25 +15982,28 @@
               </a:lnSpc>
             </a:pPr>
             <a:r>
-              <a:rPr lang="en-US" altLang="zh-CN">
+              <a:rPr lang="en-US" altLang="zh-CN" dirty="0">
                 <a:sym typeface="Euclid Extra" pitchFamily="18" charset="2"/>
               </a:rPr>
               <a:t>Ex: </a:t>
             </a:r>
             <a:r>
-              <a:rPr lang="en-US" altLang="zh-CN">
-                <a:solidFill>
-                  <a:schemeClr val="folHlink"/>
+              <a:rPr lang="en-US" altLang="zh-CN" dirty="0" err="1">
+                <a:solidFill>
+                  <a:srgbClr val="0432FF"/>
                 </a:solidFill>
                 <a:sym typeface="Euclid Extra" pitchFamily="18" charset="2"/>
               </a:rPr>
-              <a:t>strcpy (“ab”, “1234”)</a:t>
-            </a:r>
-            <a:r>
-              <a:rPr lang="en-US" altLang="zh-CN">
+              <a:t>strcpy</a:t>
+            </a:r>
+            <a:r>
+              <a:rPr lang="en-US" altLang="zh-CN" dirty="0">
+                <a:solidFill>
+                  <a:srgbClr val="0432FF"/>
+                </a:solidFill>
                 <a:sym typeface="Euclid Extra" pitchFamily="18" charset="2"/>
               </a:rPr>
-              <a:t> </a:t>
+              <a:t>(“ab”, “1234”) </a:t>
             </a:r>
           </a:p>
           <a:p>
@@ -15653,7 +16013,7 @@
               </a:lnSpc>
             </a:pPr>
             <a:r>
-              <a:rPr lang="en-US" altLang="zh-CN">
+              <a:rPr lang="en-US" altLang="zh-CN" dirty="0">
                 <a:sym typeface="Euclid Extra" pitchFamily="18" charset="2"/>
               </a:rPr>
               <a:t>Notorious source of bugs</a:t>
@@ -15666,10 +16026,22 @@
               </a:lnSpc>
             </a:pPr>
             <a:r>
-              <a:rPr lang="en-US" altLang="zh-CN">
+              <a:rPr lang="en-US" altLang="zh-CN" dirty="0">
                 <a:sym typeface="Euclid Extra" pitchFamily="18" charset="2"/>
               </a:rPr>
-              <a:t>it’s programmers’ duty to prevent these</a:t>
+              <a:t>it</a:t>
+            </a:r>
+            <a:r>
+              <a:rPr lang="zh-CN" altLang="en-US" dirty="0">
+                <a:sym typeface="Euclid Extra" pitchFamily="18" charset="2"/>
+              </a:rPr>
+              <a:t> </a:t>
+            </a:r>
+            <a:r>
+              <a:rPr lang="en-US" altLang="zh-CN" dirty="0">
+                <a:sym typeface="Euclid Extra" pitchFamily="18" charset="2"/>
+              </a:rPr>
+              <a:t>is developers’ duty to prevent these</a:t>
             </a:r>
           </a:p>
           <a:p>
@@ -15679,7 +16051,7 @@
               </a:lnSpc>
             </a:pPr>
             <a:r>
-              <a:rPr lang="en-US" altLang="zh-CN">
+              <a:rPr lang="en-US" altLang="zh-CN" dirty="0">
                 <a:sym typeface="Euclid Extra" pitchFamily="18" charset="2"/>
               </a:rPr>
               <a:t>Some viruses take advantage this…</a:t>
@@ -15692,7 +16064,7 @@
               </a:lnSpc>
             </a:pPr>
             <a:r>
-              <a:rPr lang="en-US" altLang="zh-CN">
+              <a:rPr lang="en-US" altLang="zh-CN" dirty="0">
                 <a:sym typeface="Euclid Extra" pitchFamily="18" charset="2"/>
               </a:rPr>
               <a:t>Morris’s worm in 1988 </a:t>
@@ -15705,7 +16077,7 @@
               </a:lnSpc>
             </a:pPr>
             <a:r>
-              <a:rPr lang="en-US" altLang="zh-CN">
+              <a:rPr lang="en-US" altLang="zh-CN" dirty="0">
                 <a:sym typeface="Euclid Extra" pitchFamily="18" charset="2"/>
               </a:rPr>
               <a:t>the world’s first wide-spread</a:t>
@@ -15718,7 +16090,7 @@
               </a:lnSpc>
             </a:pPr>
             <a:r>
-              <a:rPr lang="en-US" altLang="zh-CN">
+              <a:rPr lang="en-US" altLang="zh-CN" dirty="0">
                 <a:sym typeface="Euclid Extra" pitchFamily="18" charset="2"/>
               </a:rPr>
               <a:t>See demo for this…</a:t>
@@ -15817,16 +16189,52 @@
           <a:lstStyle/>
           <a:p>
             <a:r>
-              <a:rPr lang="en-US" altLang="zh-CN">
+              <a:rPr lang="en-US" altLang="zh-CN" dirty="0">
                 <a:sym typeface="Euclid Extra" pitchFamily="18" charset="2"/>
               </a:rPr>
-              <a:t>We want an ADT “String_t”:</a:t>
+              <a:t>We want to</a:t>
+            </a:r>
+            <a:r>
+              <a:rPr lang="zh-CN" altLang="en-US" dirty="0">
+                <a:sym typeface="Euclid Extra" pitchFamily="18" charset="2"/>
+              </a:rPr>
+              <a:t> </a:t>
+            </a:r>
+            <a:r>
+              <a:rPr lang="en-US" altLang="zh-CN" dirty="0">
+                <a:sym typeface="Euclid Extra" pitchFamily="18" charset="2"/>
+              </a:rPr>
+              <a:t>build</a:t>
+            </a:r>
+            <a:r>
+              <a:rPr lang="zh-CN" altLang="en-US" dirty="0">
+                <a:sym typeface="Euclid Extra" pitchFamily="18" charset="2"/>
+              </a:rPr>
+              <a:t> </a:t>
+            </a:r>
+            <a:r>
+              <a:rPr lang="en-US" altLang="zh-CN" dirty="0">
+                <a:sym typeface="Euclid Extra" pitchFamily="18" charset="2"/>
+              </a:rPr>
+              <a:t>an ADT “</a:t>
+            </a:r>
+            <a:r>
+              <a:rPr lang="en-US" altLang="zh-CN" dirty="0" err="1">
+                <a:sym typeface="Euclid Extra" pitchFamily="18" charset="2"/>
+              </a:rPr>
+              <a:t>String_t</a:t>
+            </a:r>
+            <a:r>
+              <a:rPr lang="en-US" altLang="zh-CN" dirty="0">
+                <a:sym typeface="Euclid Extra" pitchFamily="18" charset="2"/>
+              </a:rPr>
+              <a:t>”:</a:t>
             </a:r>
           </a:p>
           <a:p>
             <a:pPr lvl="1"/>
             <a:r>
-              <a:rPr lang="en-US" altLang="zh-CN">
+              <a:rPr lang="en-US" altLang="zh-CN" dirty="0">
                 <a:sym typeface="Euclid Extra" pitchFamily="18" charset="2"/>
               </a:rPr>
               <a:t>hides the concrete representation of string</a:t>
@@ -15835,7 +16243,7 @@
           <a:p>
             <a:pPr lvl="1"/>
             <a:r>
-              <a:rPr lang="en-US" altLang="zh-CN">
+              <a:rPr lang="en-US" altLang="zh-CN" dirty="0">
                 <a:sym typeface="Euclid Extra" pitchFamily="18" charset="2"/>
               </a:rPr>
               <a:t>offers more flexible operations</a:t>
@@ -15844,15 +16252,36 @@
           <a:p>
             <a:pPr lvl="1"/>
             <a:r>
-              <a:rPr lang="en-US" altLang="zh-CN">
+              <a:rPr lang="en-US" altLang="zh-CN" dirty="0">
                 <a:sym typeface="Euclid Extra" pitchFamily="18" charset="2"/>
               </a:rPr>
+              <a:t>more</a:t>
+            </a:r>
+            <a:r>
+              <a:rPr lang="zh-CN" altLang="en-US" dirty="0">
+                <a:sym typeface="Euclid Extra" pitchFamily="18" charset="2"/>
+              </a:rPr>
+              <a:t> </a:t>
+            </a:r>
+            <a:r>
+              <a:rPr lang="en-US" altLang="zh-CN" dirty="0">
+                <a:sym typeface="Euclid Extra" pitchFamily="18" charset="2"/>
+              </a:rPr>
+              <a:t>efficient</a:t>
+            </a:r>
+          </a:p>
+          <a:p>
+            <a:pPr lvl="1"/>
+            <a:r>
+              <a:rPr lang="en-US" altLang="zh-CN" dirty="0">
+                <a:sym typeface="Euclid Extra" pitchFamily="18" charset="2"/>
+              </a:rPr>
               <a:t>and cures security problems</a:t>
             </a:r>
           </a:p>
           <a:p>
             <a:r>
-              <a:rPr lang="en-US" altLang="zh-CN">
+              <a:rPr lang="en-US" altLang="zh-CN" dirty="0">
                 <a:sym typeface="Euclid Extra" pitchFamily="18" charset="2"/>
               </a:rPr>
               <a:t>To keep compatible with C, ‘\0’ is reserved as terminator</a:t>
@@ -15907,7 +16336,15 @@
           <a:lstStyle/>
           <a:p>
             <a:r>
-              <a:rPr lang="en-US" altLang="zh-CN"/>
+              <a:rPr lang="en-US" altLang="zh-CN" dirty="0"/>
+              <a:t>String</a:t>
+            </a:r>
+            <a:r>
+              <a:rPr lang="zh-CN" altLang="en-US" dirty="0"/>
+              <a:t> </a:t>
+            </a:r>
+            <a:r>
+              <a:rPr lang="en-US" altLang="zh-CN" dirty="0"/>
               <a:t>Interface</a:t>
             </a:r>
           </a:p>
@@ -15942,10 +16379,22 @@
               <a:buNone/>
             </a:pPr>
             <a:r>
-              <a:rPr lang="en-US" altLang="zh-CN" sz="2000" b="1">
+              <a:rPr lang="en-US" altLang="zh-CN" sz="2000" b="1" dirty="0">
                 <a:latin typeface="Courier New" panose="02070309020205020404" pitchFamily="49" charset="0"/>
               </a:rPr>
-              <a:t>// in file “string.h”</a:t>
+              <a:t>// in file “</a:t>
+            </a:r>
+            <a:r>
+              <a:rPr lang="en-US" altLang="zh-CN" sz="2000" b="1" dirty="0" err="1">
+                <a:latin typeface="Courier New" panose="02070309020205020404" pitchFamily="49" charset="0"/>
+              </a:rPr>
+              <a:t>string.h</a:t>
+            </a:r>
+            <a:r>
+              <a:rPr lang="en-US" altLang="zh-CN" sz="2000" b="1" dirty="0">
+                <a:latin typeface="Courier New" panose="02070309020205020404" pitchFamily="49" charset="0"/>
+              </a:rPr>
+              <a:t>”</a:t>
             </a:r>
           </a:p>
           <a:p>
@@ -15957,13 +16406,31 @@
               <a:buNone/>
             </a:pPr>
             <a:r>
-              <a:rPr lang="en-US" altLang="zh-CN" sz="2000" b="1">
-                <a:solidFill>
-                  <a:schemeClr val="folHlink"/>
+              <a:rPr lang="en-US" altLang="zh-CN" sz="2000" b="1" dirty="0">
+                <a:solidFill>
+                  <a:srgbClr val="0432FF"/>
                 </a:solidFill>
                 <a:latin typeface="Courier New" panose="02070309020205020404" pitchFamily="49" charset="0"/>
               </a:rPr>
-              <a:t>#ifndef STRING_H</a:t>
+              <a:t>#</a:t>
+            </a:r>
+            <a:r>
+              <a:rPr lang="en-US" altLang="zh-CN" sz="2000" b="1" dirty="0" err="1">
+                <a:solidFill>
+                  <a:srgbClr val="0432FF"/>
+                </a:solidFill>
+                <a:latin typeface="Courier New" panose="02070309020205020404" pitchFamily="49" charset="0"/>
+              </a:rPr>
+              <a:t>ifndef</a:t>
+            </a:r>
+            <a:r>
+              <a:rPr lang="en-US" altLang="zh-CN" sz="2000" b="1" dirty="0">
+                <a:solidFill>
+                  <a:srgbClr val="0432FF"/>
+                </a:solidFill>
+                <a:latin typeface="Courier New" panose="02070309020205020404" pitchFamily="49" charset="0"/>
+              </a:rPr>
+              <a:t> STRING_H</a:t>
             </a:r>
           </a:p>
           <a:p>
@@ -15975,9 +16442,9 @@
               <a:buNone/>
             </a:pPr>
             <a:r>
-              <a:rPr lang="en-US" altLang="zh-CN" sz="2000" b="1">
-                <a:solidFill>
-                  <a:schemeClr val="folHlink"/>
+              <a:rPr lang="en-US" altLang="zh-CN" sz="2000" b="1" dirty="0">
+                <a:solidFill>
+                  <a:srgbClr val="0432FF"/>
                 </a:solidFill>
                 <a:latin typeface="Courier New" panose="02070309020205020404" pitchFamily="49" charset="0"/>
               </a:rPr>
@@ -15992,9 +16459,9 @@
               <a:buFont typeface="Wingdings" pitchFamily="2" charset="2"/>
               <a:buNone/>
             </a:pPr>
-            <a:endParaRPr lang="en-US" altLang="zh-CN" sz="2000" b="1">
+            <a:endParaRPr lang="en-US" altLang="zh-CN" sz="2000" b="1" dirty="0">
               <a:solidFill>
-                <a:schemeClr val="folHlink"/>
+                <a:srgbClr val="0432FF"/>
               </a:solidFill>
               <a:latin typeface="Courier New" panose="02070309020205020404" pitchFamily="49" charset="0"/>
             </a:endParaRPr>
@@ -16008,14 +16475,29 @@
               <a:buNone/>
             </a:pPr>
             <a:r>
-              <a:rPr lang="en-US" altLang="zh-CN" sz="2000" b="1">
-                <a:solidFill>
-                  <a:schemeClr val="folHlink"/>
+              <a:rPr lang="en-US" altLang="zh-CN" sz="2000" b="1" dirty="0">
+                <a:solidFill>
+                  <a:srgbClr val="0432FF"/>
                 </a:solidFill>
                 <a:latin typeface="Courier New" panose="02070309020205020404" pitchFamily="49" charset="0"/>
               </a:rPr>
-              <a:t>#define T String_t</a:t>
-            </a:r>
+              <a:t>#define T </a:t>
+            </a:r>
+            <a:r>
+              <a:rPr lang="en-US" altLang="zh-CN" sz="2000" b="1" dirty="0" err="1">
+                <a:solidFill>
+                  <a:srgbClr val="0432FF"/>
+                </a:solidFill>
+                <a:latin typeface="Courier New" panose="02070309020205020404" pitchFamily="49" charset="0"/>
+              </a:rPr>
+              <a:t>String_t</a:t>
+            </a:r>
+            <a:endParaRPr lang="en-US" altLang="zh-CN" sz="2000" b="1" dirty="0">
+              <a:solidFill>
+                <a:srgbClr val="0432FF"/>
+              </a:solidFill>
+              <a:latin typeface="Courier New" panose="02070309020205020404" pitchFamily="49" charset="0"/>
+            </a:endParaRPr>
           </a:p>
           <a:p>
             <a:pPr>
@@ -16026,19 +16508,13 @@
               <a:buNone/>
             </a:pPr>
             <a:r>
-              <a:rPr lang="en-US" altLang="zh-CN" sz="2000" b="1">
-                <a:solidFill>
-                  <a:schemeClr val="folHlink"/>
+              <a:rPr lang="en-US" altLang="zh-CN" sz="2000" b="1" dirty="0">
+                <a:solidFill>
+                  <a:srgbClr val="0432FF"/>
                 </a:solidFill>
                 <a:latin typeface="Courier New" panose="02070309020205020404" pitchFamily="49" charset="0"/>
               </a:rPr>
-              <a:t>typedef char *T;  </a:t>
-            </a:r>
-            <a:r>
-              <a:rPr lang="en-US" altLang="zh-CN" sz="2000" b="1">
-                <a:latin typeface="Courier New" panose="02070309020205020404" pitchFamily="49" charset="0"/>
-              </a:rPr>
-              <a:t>// CDT. Why?</a:t>
+              <a:t>typedef char *T;  // CDT. Why?</a:t>
             </a:r>
           </a:p>
           <a:p>
@@ -16049,7 +16525,10 @@
               <a:buFont typeface="Wingdings" pitchFamily="2" charset="2"/>
               <a:buNone/>
             </a:pPr>
-            <a:endParaRPr lang="en-US" altLang="zh-CN" sz="2000" b="1">
+            <a:endParaRPr lang="en-US" altLang="zh-CN" sz="2000" b="1" dirty="0">
+              <a:solidFill>
+                <a:srgbClr val="0432FF"/>
+              </a:solidFill>
               <a:latin typeface="Courier New" panose="02070309020205020404" pitchFamily="49" charset="0"/>
             </a:endParaRPr>
           </a:p>
@@ -16062,13 +16541,31 @@
               <a:buNone/>
             </a:pPr>
             <a:r>
-              <a:rPr lang="en-US" altLang="zh-CN" sz="2000" b="1">
-                <a:solidFill>
-                  <a:schemeClr val="folHlink"/>
+              <a:rPr lang="en-US" altLang="zh-CN" sz="2000" b="1" dirty="0">
+                <a:solidFill>
+                  <a:srgbClr val="0432FF"/>
                 </a:solidFill>
                 <a:latin typeface="Courier New" panose="02070309020205020404" pitchFamily="49" charset="0"/>
               </a:rPr>
-              <a:t>T String_new (char *s);</a:t>
+              <a:t>T </a:t>
+            </a:r>
+            <a:r>
+              <a:rPr lang="en-US" altLang="zh-CN" sz="2000" b="1" dirty="0" err="1">
+                <a:solidFill>
+                  <a:srgbClr val="0432FF"/>
+                </a:solidFill>
+                <a:latin typeface="Courier New" panose="02070309020205020404" pitchFamily="49" charset="0"/>
+              </a:rPr>
+              <a:t>String_new</a:t>
+            </a:r>
+            <a:r>
+              <a:rPr lang="en-US" altLang="zh-CN" sz="2000" b="1" dirty="0">
+                <a:solidFill>
+                  <a:srgbClr val="0432FF"/>
+                </a:solidFill>
+                <a:latin typeface="Courier New" panose="02070309020205020404" pitchFamily="49" charset="0"/>
+              </a:rPr>
+              <a:t>(char *s);</a:t>
             </a:r>
           </a:p>
           <a:p>
@@ -16080,13 +16577,31 @@
               <a:buNone/>
             </a:pPr>
             <a:r>
-              <a:rPr lang="en-US" altLang="zh-CN" sz="2000" b="1">
-                <a:solidFill>
-                  <a:schemeClr val="folHlink"/>
+              <a:rPr lang="en-US" altLang="zh-CN" sz="2000" b="1" dirty="0">
+                <a:solidFill>
+                  <a:srgbClr val="0432FF"/>
                 </a:solidFill>
                 <a:latin typeface="Courier New" panose="02070309020205020404" pitchFamily="49" charset="0"/>
               </a:rPr>
-              <a:t>int String_size (T s);</a:t>
+              <a:t>int </a:t>
+            </a:r>
+            <a:r>
+              <a:rPr lang="en-US" altLang="zh-CN" sz="2000" b="1" dirty="0" err="1">
+                <a:solidFill>
+                  <a:srgbClr val="0432FF"/>
+                </a:solidFill>
+                <a:latin typeface="Courier New" panose="02070309020205020404" pitchFamily="49" charset="0"/>
+              </a:rPr>
+              <a:t>String_size</a:t>
+            </a:r>
+            <a:r>
+              <a:rPr lang="en-US" altLang="zh-CN" sz="2000" b="1" dirty="0">
+                <a:solidFill>
+                  <a:srgbClr val="0432FF"/>
+                </a:solidFill>
+                <a:latin typeface="Courier New" panose="02070309020205020404" pitchFamily="49" charset="0"/>
+              </a:rPr>
+              <a:t>(T s);</a:t>
             </a:r>
           </a:p>
           <a:p>
@@ -16098,13 +16613,31 @@
               <a:buNone/>
             </a:pPr>
             <a:r>
-              <a:rPr lang="en-US" altLang="zh-CN" sz="2000" b="1">
-                <a:solidFill>
-                  <a:schemeClr val="folHlink"/>
+              <a:rPr lang="en-US" altLang="zh-CN" sz="2000" b="1" dirty="0">
+                <a:solidFill>
+                  <a:srgbClr val="0432FF"/>
                 </a:solidFill>
                 <a:latin typeface="Courier New" panose="02070309020205020404" pitchFamily="49" charset="0"/>
               </a:rPr>
-              <a:t>int String_isEmpty (T s);</a:t>
+              <a:t>int </a:t>
+            </a:r>
+            <a:r>
+              <a:rPr lang="en-US" altLang="zh-CN" sz="2000" b="1" dirty="0" err="1">
+                <a:solidFill>
+                  <a:srgbClr val="0432FF"/>
+                </a:solidFill>
+                <a:latin typeface="Courier New" panose="02070309020205020404" pitchFamily="49" charset="0"/>
+              </a:rPr>
+              <a:t>String_isEmpty</a:t>
+            </a:r>
+            <a:r>
+              <a:rPr lang="en-US" altLang="zh-CN" sz="2000" b="1" dirty="0">
+                <a:solidFill>
+                  <a:srgbClr val="0432FF"/>
+                </a:solidFill>
+                <a:latin typeface="Courier New" panose="02070309020205020404" pitchFamily="49" charset="0"/>
+              </a:rPr>
+              <a:t>(T s);</a:t>
             </a:r>
           </a:p>
           <a:p>
@@ -16116,13 +16649,31 @@
               <a:buNone/>
             </a:pPr>
             <a:r>
-              <a:rPr lang="en-US" altLang="zh-CN" sz="2000" b="1">
-                <a:solidFill>
-                  <a:schemeClr val="folHlink"/>
+              <a:rPr lang="en-US" altLang="zh-CN" sz="2000" b="1" dirty="0">
+                <a:solidFill>
+                  <a:srgbClr val="0432FF"/>
                 </a:solidFill>
                 <a:latin typeface="Courier New" panose="02070309020205020404" pitchFamily="49" charset="0"/>
               </a:rPr>
-              <a:t>int String_nth (T s, int n);</a:t>
+              <a:t>char </a:t>
+            </a:r>
+            <a:r>
+              <a:rPr lang="en-US" altLang="zh-CN" sz="2000" b="1" dirty="0" err="1">
+                <a:solidFill>
+                  <a:srgbClr val="0432FF"/>
+                </a:solidFill>
+                <a:latin typeface="Courier New" panose="02070309020205020404" pitchFamily="49" charset="0"/>
+              </a:rPr>
+              <a:t>String_nth</a:t>
+            </a:r>
+            <a:r>
+              <a:rPr lang="en-US" altLang="zh-CN" sz="2000" b="1" dirty="0">
+                <a:solidFill>
+                  <a:srgbClr val="0432FF"/>
+                </a:solidFill>
+                <a:latin typeface="Courier New" panose="02070309020205020404" pitchFamily="49" charset="0"/>
+              </a:rPr>
+              <a:t>(T s, int n);</a:t>
             </a:r>
           </a:p>
           <a:p>
@@ -16134,13 +16685,31 @@
               <a:buNone/>
             </a:pPr>
             <a:r>
-              <a:rPr lang="en-US" altLang="zh-CN" sz="2000" b="1">
-                <a:solidFill>
-                  <a:schemeClr val="folHlink"/>
+              <a:rPr lang="en-US" altLang="zh-CN" sz="2000" b="1" dirty="0">
+                <a:solidFill>
+                  <a:srgbClr val="0432FF"/>
                 </a:solidFill>
                 <a:latin typeface="Courier New" panose="02070309020205020404" pitchFamily="49" charset="0"/>
               </a:rPr>
-              <a:t>T String_concat (T s1, T s2);</a:t>
+              <a:t>T </a:t>
+            </a:r>
+            <a:r>
+              <a:rPr lang="en-US" altLang="zh-CN" sz="2000" b="1" dirty="0" err="1">
+                <a:solidFill>
+                  <a:srgbClr val="0432FF"/>
+                </a:solidFill>
+                <a:latin typeface="Courier New" panose="02070309020205020404" pitchFamily="49" charset="0"/>
+              </a:rPr>
+              <a:t>String_concat</a:t>
+            </a:r>
+            <a:r>
+              <a:rPr lang="en-US" altLang="zh-CN" sz="2000" b="1" dirty="0">
+                <a:solidFill>
+                  <a:srgbClr val="0432FF"/>
+                </a:solidFill>
+                <a:latin typeface="Courier New" panose="02070309020205020404" pitchFamily="49" charset="0"/>
+              </a:rPr>
+              <a:t>(T s1, T s2);</a:t>
             </a:r>
           </a:p>
           <a:p>
@@ -16151,9 +16720,9 @@
               <a:buFont typeface="Wingdings" pitchFamily="2" charset="2"/>
               <a:buNone/>
             </a:pPr>
-            <a:endParaRPr lang="en-US" altLang="zh-CN" sz="2000" b="1">
+            <a:endParaRPr lang="en-US" altLang="zh-CN" sz="2000" b="1" dirty="0">
               <a:solidFill>
-                <a:schemeClr val="folHlink"/>
+                <a:srgbClr val="0432FF"/>
               </a:solidFill>
               <a:latin typeface="Courier New" panose="02070309020205020404" pitchFamily="49" charset="0"/>
             </a:endParaRPr>
@@ -16167,13 +16736,31 @@
               <a:buNone/>
             </a:pPr>
             <a:r>
-              <a:rPr lang="en-US" altLang="zh-CN" sz="2000" b="1">
-                <a:solidFill>
-                  <a:schemeClr val="folHlink"/>
+              <a:rPr lang="en-US" altLang="zh-CN" sz="2000" b="1" dirty="0">
+                <a:solidFill>
+                  <a:srgbClr val="0432FF"/>
                 </a:solidFill>
                 <a:latin typeface="Courier New" panose="02070309020205020404" pitchFamily="49" charset="0"/>
               </a:rPr>
-              <a:t>#undef T</a:t>
+              <a:t>#</a:t>
+            </a:r>
+            <a:r>
+              <a:rPr lang="en-US" altLang="zh-CN" sz="2000" b="1" dirty="0" err="1">
+                <a:solidFill>
+                  <a:srgbClr val="0432FF"/>
+                </a:solidFill>
+                <a:latin typeface="Courier New" panose="02070309020205020404" pitchFamily="49" charset="0"/>
+              </a:rPr>
+              <a:t>undef</a:t>
+            </a:r>
+            <a:r>
+              <a:rPr lang="en-US" altLang="zh-CN" sz="2000" b="1" dirty="0">
+                <a:solidFill>
+                  <a:srgbClr val="0432FF"/>
+                </a:solidFill>
+                <a:latin typeface="Courier New" panose="02070309020205020404" pitchFamily="49" charset="0"/>
+              </a:rPr>
+              <a:t> T</a:t>
             </a:r>
           </a:p>
           <a:p>
@@ -16184,9 +16771,9 @@
               <a:buFont typeface="Wingdings" pitchFamily="2" charset="2"/>
               <a:buNone/>
             </a:pPr>
-            <a:endParaRPr lang="en-US" altLang="zh-CN" sz="2000" b="1">
+            <a:endParaRPr lang="en-US" altLang="zh-CN" sz="2000" b="1" dirty="0">
               <a:solidFill>
-                <a:schemeClr val="folHlink"/>
+                <a:srgbClr val="0432FF"/>
               </a:solidFill>
               <a:latin typeface="Courier New" panose="02070309020205020404" pitchFamily="49" charset="0"/>
             </a:endParaRPr>
@@ -16200,9 +16787,9 @@
               <a:buNone/>
             </a:pPr>
             <a:r>
-              <a:rPr lang="en-US" altLang="zh-CN" sz="2000" b="1">
-                <a:solidFill>
-                  <a:schemeClr val="folHlink"/>
+              <a:rPr lang="en-US" altLang="zh-CN" sz="2000" b="1" dirty="0">
+                <a:solidFill>
+                  <a:srgbClr val="0432FF"/>
                 </a:solidFill>
                 <a:latin typeface="Courier New" panose="02070309020205020404" pitchFamily="49" charset="0"/>
               </a:rPr>
@@ -16290,10 +16877,22 @@
               <a:buNone/>
             </a:pPr>
             <a:r>
-              <a:rPr lang="en-US" altLang="zh-CN" sz="2000" b="1">
+              <a:rPr lang="en-US" altLang="zh-CN" sz="2000" b="1" dirty="0">
                 <a:latin typeface="Courier New" panose="02070309020205020404" pitchFamily="49" charset="0"/>
               </a:rPr>
-              <a:t>// in file “string.c”</a:t>
+              <a:t>// in file “</a:t>
+            </a:r>
+            <a:r>
+              <a:rPr lang="en-US" altLang="zh-CN" sz="2000" b="1" dirty="0" err="1">
+                <a:latin typeface="Courier New" panose="02070309020205020404" pitchFamily="49" charset="0"/>
+              </a:rPr>
+              <a:t>string.c</a:t>
+            </a:r>
+            <a:r>
+              <a:rPr lang="en-US" altLang="zh-CN" sz="2000" b="1" dirty="0">
+                <a:latin typeface="Courier New" panose="02070309020205020404" pitchFamily="49" charset="0"/>
+              </a:rPr>
+              <a:t>”</a:t>
             </a:r>
           </a:p>
           <a:p>
@@ -16302,13 +16901,31 @@
               <a:buNone/>
             </a:pPr>
             <a:r>
-              <a:rPr lang="en-US" altLang="zh-CN" sz="2000" b="1">
-                <a:solidFill>
-                  <a:schemeClr val="folHlink"/>
+              <a:rPr lang="en-US" altLang="zh-CN" sz="2000" b="1" dirty="0">
+                <a:solidFill>
+                  <a:srgbClr val="0432FF"/>
                 </a:solidFill>
                 <a:latin typeface="Courier New" panose="02070309020205020404" pitchFamily="49" charset="0"/>
               </a:rPr>
-              <a:t>#include “string.h”</a:t>
+              <a:t>#include “</a:t>
+            </a:r>
+            <a:r>
+              <a:rPr lang="en-US" altLang="zh-CN" sz="2000" b="1" dirty="0" err="1">
+                <a:solidFill>
+                  <a:srgbClr val="0432FF"/>
+                </a:solidFill>
+                <a:latin typeface="Courier New" panose="02070309020205020404" pitchFamily="49" charset="0"/>
+              </a:rPr>
+              <a:t>string.h</a:t>
+            </a:r>
+            <a:r>
+              <a:rPr lang="en-US" altLang="zh-CN" sz="2000" b="1" dirty="0">
+                <a:solidFill>
+                  <a:srgbClr val="0432FF"/>
+                </a:solidFill>
+                <a:latin typeface="Courier New" panose="02070309020205020404" pitchFamily="49" charset="0"/>
+              </a:rPr>
+              <a:t>”</a:t>
             </a:r>
           </a:p>
           <a:p>
@@ -16317,7 +16934,7 @@
               <a:buNone/>
             </a:pPr>
             <a:r>
-              <a:rPr lang="en-US" altLang="zh-CN" sz="2000" b="1">
+              <a:rPr lang="en-US" altLang="zh-CN" sz="2000" b="1" dirty="0">
                 <a:latin typeface="Courier New" panose="02070309020205020404" pitchFamily="49" charset="0"/>
               </a:rPr>
               <a:t>// Basic idea is to heap-allocate arrays</a:t>
@@ -17149,13 +17766,58 @@
               <a:buNone/>
             </a:pPr>
             <a:r>
-              <a:rPr lang="en-US" altLang="zh-CN" sz="2000" b="1">
-                <a:solidFill>
-                  <a:schemeClr val="folHlink"/>
-                </a:solidFill>
+              <a:rPr lang="en-US" altLang="zh-CN" sz="2000" b="1" dirty="0">
                 <a:latin typeface="Courier New" panose="02070309020205020404" pitchFamily="49" charset="0"/>
               </a:rPr>
-              <a:t>String_t String_new (char *s)</a:t>
+              <a:t>//</a:t>
+            </a:r>
+            <a:r>
+              <a:rPr lang="zh-CN" altLang="en-US" sz="2000" b="1" dirty="0">
+                <a:latin typeface="Courier New" panose="02070309020205020404" pitchFamily="49" charset="0"/>
+              </a:rPr>
+              <a:t> </a:t>
+            </a:r>
+            <a:r>
+              <a:rPr lang="en-US" altLang="zh-CN" sz="2000" b="1" dirty="0">
+                <a:latin typeface="Courier New" panose="02070309020205020404" pitchFamily="49" charset="0"/>
+              </a:rPr>
+              <a:t>leave</a:t>
+            </a:r>
+            <a:r>
+              <a:rPr lang="zh-CN" altLang="en-US" sz="2000" b="1" dirty="0">
+                <a:latin typeface="Courier New" panose="02070309020205020404" pitchFamily="49" charset="0"/>
+              </a:rPr>
+              <a:t> </a:t>
+            </a:r>
+            <a:r>
+              <a:rPr lang="en-US" altLang="zh-CN" sz="2000" b="1" dirty="0">
+                <a:latin typeface="Courier New" panose="02070309020205020404" pitchFamily="49" charset="0"/>
+              </a:rPr>
+              <a:t>intern</a:t>
+            </a:r>
+            <a:r>
+              <a:rPr lang="zh-CN" altLang="en-US" sz="2000" b="1" dirty="0">
+                <a:latin typeface="Courier New" panose="02070309020205020404" pitchFamily="49" charset="0"/>
+              </a:rPr>
+              <a:t> </a:t>
+            </a:r>
+            <a:r>
+              <a:rPr lang="en-US" altLang="zh-CN" sz="2000" b="1" dirty="0">
+                <a:latin typeface="Courier New" panose="02070309020205020404" pitchFamily="49" charset="0"/>
+              </a:rPr>
+              <a:t>to</a:t>
+            </a:r>
+            <a:r>
+              <a:rPr lang="zh-CN" altLang="en-US" sz="2000" b="1" dirty="0">
+                <a:latin typeface="Courier New" panose="02070309020205020404" pitchFamily="49" charset="0"/>
+              </a:rPr>
+              <a:t> </a:t>
+            </a:r>
+            <a:r>
+              <a:rPr lang="en-US" altLang="zh-CN" sz="2000" b="1" dirty="0">
+                <a:latin typeface="Courier New" panose="02070309020205020404" pitchFamily="49" charset="0"/>
+              </a:rPr>
+              <a:t>you</a:t>
             </a:r>
           </a:p>
           <a:p>
@@ -17167,13 +17829,67 @@
               <a:buNone/>
             </a:pPr>
             <a:r>
-              <a:rPr lang="en-US" altLang="zh-CN" sz="2000" b="1">
-                <a:solidFill>
-                  <a:schemeClr val="folHlink"/>
+              <a:rPr lang="en-US" altLang="zh-CN" sz="2000" b="1" dirty="0" err="1">
+                <a:solidFill>
+                  <a:srgbClr val="0432FF"/>
                 </a:solidFill>
                 <a:latin typeface="Courier New" panose="02070309020205020404" pitchFamily="49" charset="0"/>
               </a:rPr>
-              <a:t>{</a:t>
+              <a:t>Vector_t</a:t>
+            </a:r>
+            <a:r>
+              <a:rPr lang="zh-CN" altLang="en-US" sz="2000" b="1" dirty="0">
+                <a:solidFill>
+                  <a:srgbClr val="0432FF"/>
+                </a:solidFill>
+                <a:latin typeface="Courier New" panose="02070309020205020404" pitchFamily="49" charset="0"/>
+              </a:rPr>
+              <a:t> </a:t>
+            </a:r>
+            <a:r>
+              <a:rPr lang="en-US" altLang="zh-CN" sz="2000" b="1" dirty="0" err="1">
+                <a:solidFill>
+                  <a:srgbClr val="0432FF"/>
+                </a:solidFill>
+                <a:latin typeface="Courier New" panose="02070309020205020404" pitchFamily="49" charset="0"/>
+              </a:rPr>
+              <a:t>allStrs</a:t>
+            </a:r>
+            <a:r>
+              <a:rPr lang="zh-CN" altLang="en-US" sz="2000" b="1" dirty="0">
+                <a:solidFill>
+                  <a:srgbClr val="0432FF"/>
+                </a:solidFill>
+                <a:latin typeface="Courier New" panose="02070309020205020404" pitchFamily="49" charset="0"/>
+              </a:rPr>
+              <a:t> </a:t>
+            </a:r>
+            <a:r>
+              <a:rPr lang="en-US" altLang="zh-CN" sz="2000" b="1" dirty="0">
+                <a:solidFill>
+                  <a:srgbClr val="0432FF"/>
+                </a:solidFill>
+                <a:latin typeface="Courier New" panose="02070309020205020404" pitchFamily="49" charset="0"/>
+              </a:rPr>
+              <a:t>=</a:t>
+            </a:r>
+            <a:r>
+              <a:rPr lang="zh-CN" altLang="en-US" sz="2000" b="1" dirty="0">
+                <a:solidFill>
+                  <a:srgbClr val="0432FF"/>
+                </a:solidFill>
+                <a:latin typeface="Courier New" panose="02070309020205020404" pitchFamily="49" charset="0"/>
+              </a:rPr>
+              <a:t> </a:t>
+            </a:r>
+            <a:r>
+              <a:rPr lang="en-US" altLang="zh-CN" sz="2000" b="1" dirty="0">
+                <a:solidFill>
+                  <a:srgbClr val="0432FF"/>
+                </a:solidFill>
+                <a:latin typeface="Courier New" panose="02070309020205020404" pitchFamily="49" charset="0"/>
+              </a:rPr>
+              <a:t>…;</a:t>
             </a:r>
           </a:p>
           <a:p>
@@ -17184,15 +17900,9 @@
               <a:buFont typeface="Wingdings" pitchFamily="2" charset="2"/>
               <a:buNone/>
             </a:pPr>
-            <a:r>
-              <a:rPr lang="en-US" altLang="zh-CN" sz="2000" b="1">
-                <a:solidFill>
-                  <a:schemeClr val="folHlink"/>
-                </a:solidFill>
-                <a:latin typeface="Courier New" panose="02070309020205020404" pitchFamily="49" charset="0"/>
-              </a:rPr>
-              <a:t>  int len = strlen (s);</a:t>
-            </a:r>
+            <a:endParaRPr lang="en-US" altLang="zh-CN" sz="2000" b="1" dirty="0">
+              <a:latin typeface="Courier New" panose="02070309020205020404" pitchFamily="49" charset="0"/>
+            </a:endParaRPr>
           </a:p>
           <a:p>
             <a:pPr>
@@ -17202,12 +17912,42 @@
               <a:buFont typeface="Wingdings" pitchFamily="2" charset="2"/>
               <a:buNone/>
             </a:pPr>
-            <a:endParaRPr lang="en-US" altLang="zh-CN" sz="2000" b="1">
-              <a:solidFill>
-                <a:schemeClr val="folHlink"/>
-              </a:solidFill>
-              <a:latin typeface="Courier New" panose="02070309020205020404" pitchFamily="49" charset="0"/>
-            </a:endParaRPr>
+            <a:r>
+              <a:rPr lang="en-US" altLang="zh-CN" sz="2000" b="1" dirty="0" err="1">
+                <a:solidFill>
+                  <a:srgbClr val="0432FF"/>
+                </a:solidFill>
+                <a:latin typeface="Courier New" panose="02070309020205020404" pitchFamily="49" charset="0"/>
+              </a:rPr>
+              <a:t>String_t</a:t>
+            </a:r>
+            <a:r>
+              <a:rPr lang="en-US" altLang="zh-CN" sz="2000" b="1" dirty="0">
+                <a:solidFill>
+                  <a:srgbClr val="0432FF"/>
+                </a:solidFill>
+                <a:latin typeface="Courier New" panose="02070309020205020404" pitchFamily="49" charset="0"/>
+              </a:rPr>
+              <a:t> </a:t>
+            </a:r>
+            <a:r>
+              <a:rPr lang="en-US" altLang="zh-CN" sz="2000" b="1" dirty="0" err="1">
+                <a:solidFill>
+                  <a:srgbClr val="0432FF"/>
+                </a:solidFill>
+                <a:latin typeface="Courier New" panose="02070309020205020404" pitchFamily="49" charset="0"/>
+              </a:rPr>
+              <a:t>String_new</a:t>
+            </a:r>
+            <a:r>
+              <a:rPr lang="en-US" altLang="zh-CN" sz="2000" b="1" dirty="0">
+                <a:solidFill>
+                  <a:srgbClr val="0432FF"/>
+                </a:solidFill>
+                <a:latin typeface="Courier New" panose="02070309020205020404" pitchFamily="49" charset="0"/>
+              </a:rPr>
+              <a:t>(char *s){</a:t>
+            </a:r>
           </a:p>
           <a:p>
             <a:pPr>
@@ -17218,13 +17958,103 @@
               <a:buNone/>
             </a:pPr>
             <a:r>
-              <a:rPr lang="en-US" altLang="zh-CN" sz="2000" b="1">
-                <a:solidFill>
-                  <a:schemeClr val="folHlink"/>
+              <a:rPr lang="zh-CN" altLang="en-US" sz="2000" b="1" dirty="0">
+                <a:solidFill>
+                  <a:srgbClr val="0432FF"/>
                 </a:solidFill>
                 <a:latin typeface="Courier New" panose="02070309020205020404" pitchFamily="49" charset="0"/>
               </a:rPr>
-              <a:t>  String_t p = malloc ((len+1) * sizeof(*p));</a:t>
+              <a:t>  </a:t>
+            </a:r>
+            <a:r>
+              <a:rPr lang="en-US" altLang="zh-CN" sz="2000" b="1" dirty="0">
+                <a:solidFill>
+                  <a:srgbClr val="0432FF"/>
+                </a:solidFill>
+                <a:latin typeface="Courier New" panose="02070309020205020404" pitchFamily="49" charset="0"/>
+              </a:rPr>
+              <a:t>if(s</a:t>
+            </a:r>
+            <a:r>
+              <a:rPr lang="zh-CN" altLang="en-US" sz="2000" b="1" dirty="0">
+                <a:solidFill>
+                  <a:srgbClr val="0432FF"/>
+                </a:solidFill>
+                <a:latin typeface="Courier New" panose="02070309020205020404" pitchFamily="49" charset="0"/>
+              </a:rPr>
+              <a:t> </a:t>
+            </a:r>
+            <a:r>
+              <a:rPr lang="en-US" altLang="zh-CN" sz="2000" b="1" dirty="0">
+                <a:solidFill>
+                  <a:srgbClr val="0432FF"/>
+                </a:solidFill>
+                <a:latin typeface="Courier New" panose="02070309020205020404" pitchFamily="49" charset="0"/>
+              </a:rPr>
+              <a:t>in</a:t>
+            </a:r>
+            <a:r>
+              <a:rPr lang="zh-CN" altLang="en-US" sz="2000" b="1" dirty="0">
+                <a:solidFill>
+                  <a:srgbClr val="0432FF"/>
+                </a:solidFill>
+                <a:latin typeface="Courier New" panose="02070309020205020404" pitchFamily="49" charset="0"/>
+              </a:rPr>
+              <a:t> </a:t>
+            </a:r>
+            <a:r>
+              <a:rPr lang="en-US" altLang="zh-CN" sz="2000" b="1" dirty="0" err="1">
+                <a:solidFill>
+                  <a:srgbClr val="0432FF"/>
+                </a:solidFill>
+                <a:latin typeface="Courier New" panose="02070309020205020404" pitchFamily="49" charset="0"/>
+              </a:rPr>
+              <a:t>allStrs</a:t>
+            </a:r>
+            <a:r>
+              <a:rPr lang="en-US" altLang="zh-CN" sz="2000" b="1" dirty="0">
+                <a:solidFill>
+                  <a:srgbClr val="0432FF"/>
+                </a:solidFill>
+                <a:latin typeface="Courier New" panose="02070309020205020404" pitchFamily="49" charset="0"/>
+              </a:rPr>
+              <a:t>)</a:t>
+            </a:r>
+            <a:r>
+              <a:rPr lang="zh-CN" altLang="en-US" sz="2000" b="1" dirty="0">
+                <a:solidFill>
+                  <a:srgbClr val="0432FF"/>
+                </a:solidFill>
+                <a:latin typeface="Courier New" panose="02070309020205020404" pitchFamily="49" charset="0"/>
+              </a:rPr>
+              <a:t> </a:t>
+            </a:r>
+            <a:r>
+              <a:rPr lang="en-US" altLang="zh-CN" sz="2000" b="1" dirty="0">
+                <a:solidFill>
+                  <a:srgbClr val="0432FF"/>
+                </a:solidFill>
+                <a:latin typeface="Courier New" panose="02070309020205020404" pitchFamily="49" charset="0"/>
+              </a:rPr>
+              <a:t>return</a:t>
+            </a:r>
+            <a:r>
+              <a:rPr lang="zh-CN" altLang="en-US" sz="2000" b="1" dirty="0">
+                <a:solidFill>
+                  <a:srgbClr val="0432FF"/>
+                </a:solidFill>
+                <a:latin typeface="Courier New" panose="02070309020205020404" pitchFamily="49" charset="0"/>
+              </a:rPr>
+              <a:t> </a:t>
+            </a:r>
+            <a:r>
+              <a:rPr lang="en-US" altLang="zh-CN" sz="2000" b="1" dirty="0">
+                <a:solidFill>
+                  <a:srgbClr val="0432FF"/>
+                </a:solidFill>
+                <a:latin typeface="Courier New" panose="02070309020205020404" pitchFamily="49" charset="0"/>
+              </a:rPr>
+              <a:t>…;</a:t>
             </a:r>
           </a:p>
           <a:p>
@@ -17235,15 +18065,12 @@
               <a:buFont typeface="Wingdings" pitchFamily="2" charset="2"/>
               <a:buNone/>
             </a:pPr>
-            <a:r>
-              <a:rPr lang="en-US" altLang="zh-CN" sz="2000" b="1">
-                <a:solidFill>
-                  <a:schemeClr val="folHlink"/>
-                </a:solidFill>
-                <a:latin typeface="Courier New" panose="02070309020205020404" pitchFamily="49" charset="0"/>
-              </a:rPr>
-              <a:t>  while (*p++ = *s++)</a:t>
-            </a:r>
+            <a:endParaRPr lang="en-US" altLang="zh-CN" sz="2000" b="1" dirty="0">
+              <a:solidFill>
+                <a:srgbClr val="0432FF"/>
+              </a:solidFill>
+              <a:latin typeface="Courier New" panose="02070309020205020404" pitchFamily="49" charset="0"/>
+            </a:endParaRPr>
           </a:p>
           <a:p>
             <a:pPr>
@@ -17254,13 +18081,49 @@
               <a:buNone/>
             </a:pPr>
             <a:r>
-              <a:rPr lang="en-US" altLang="zh-CN" sz="2000" b="1">
-                <a:solidFill>
-                  <a:schemeClr val="folHlink"/>
+              <a:rPr lang="en-US" altLang="zh-CN" sz="2000" b="1" dirty="0">
+                <a:solidFill>
+                  <a:srgbClr val="0432FF"/>
                 </a:solidFill>
                 <a:latin typeface="Courier New" panose="02070309020205020404" pitchFamily="49" charset="0"/>
               </a:rPr>
-              <a:t>    ;</a:t>
+              <a:t>  int </a:t>
+            </a:r>
+            <a:r>
+              <a:rPr lang="en-US" altLang="zh-CN" sz="2000" b="1" dirty="0" err="1">
+                <a:solidFill>
+                  <a:srgbClr val="0432FF"/>
+                </a:solidFill>
+                <a:latin typeface="Courier New" panose="02070309020205020404" pitchFamily="49" charset="0"/>
+              </a:rPr>
+              <a:t>len</a:t>
+            </a:r>
+            <a:r>
+              <a:rPr lang="en-US" altLang="zh-CN" sz="2000" b="1" dirty="0">
+                <a:solidFill>
+                  <a:srgbClr val="0432FF"/>
+                </a:solidFill>
+                <a:latin typeface="Courier New" panose="02070309020205020404" pitchFamily="49" charset="0"/>
+              </a:rPr>
+              <a:t> = </a:t>
+            </a:r>
+            <a:r>
+              <a:rPr lang="en-US" altLang="zh-CN" sz="2000" b="1" dirty="0" err="1">
+                <a:solidFill>
+                  <a:srgbClr val="0432FF"/>
+                </a:solidFill>
+                <a:latin typeface="Courier New" panose="02070309020205020404" pitchFamily="49" charset="0"/>
+              </a:rPr>
+              <a:t>strlen</a:t>
+            </a:r>
+            <a:r>
+              <a:rPr lang="en-US" altLang="zh-CN" sz="2000" b="1" dirty="0">
+                <a:solidFill>
+                  <a:srgbClr val="0432FF"/>
+                </a:solidFill>
+                <a:latin typeface="Courier New" panose="02070309020205020404" pitchFamily="49" charset="0"/>
+              </a:rPr>
+              <a:t>(s);</a:t>
             </a:r>
           </a:p>
           <a:p>
@@ -17272,13 +18135,67 @@
               <a:buNone/>
             </a:pPr>
             <a:r>
-              <a:rPr lang="en-US" altLang="zh-CN" sz="2000" b="1">
-                <a:solidFill>
-                  <a:schemeClr val="folHlink"/>
+              <a:rPr lang="en-US" altLang="zh-CN" sz="2000" b="1" dirty="0">
+                <a:solidFill>
+                  <a:srgbClr val="0432FF"/>
                 </a:solidFill>
                 <a:latin typeface="Courier New" panose="02070309020205020404" pitchFamily="49" charset="0"/>
               </a:rPr>
-              <a:t>  return p;</a:t>
+              <a:t>  </a:t>
+            </a:r>
+            <a:r>
+              <a:rPr lang="en-US" altLang="zh-CN" sz="2000" b="1" dirty="0" err="1">
+                <a:solidFill>
+                  <a:srgbClr val="0432FF"/>
+                </a:solidFill>
+                <a:latin typeface="Courier New" panose="02070309020205020404" pitchFamily="49" charset="0"/>
+              </a:rPr>
+              <a:t>String_t</a:t>
+            </a:r>
+            <a:r>
+              <a:rPr lang="en-US" altLang="zh-CN" sz="2000" b="1" dirty="0">
+                <a:solidFill>
+                  <a:srgbClr val="0432FF"/>
+                </a:solidFill>
+                <a:latin typeface="Courier New" panose="02070309020205020404" pitchFamily="49" charset="0"/>
+              </a:rPr>
+              <a:t> p = </a:t>
+            </a:r>
+            <a:r>
+              <a:rPr lang="en-US" altLang="zh-CN" sz="2000" b="1" dirty="0" err="1">
+                <a:solidFill>
+                  <a:srgbClr val="0432FF"/>
+                </a:solidFill>
+                <a:latin typeface="Courier New" panose="02070309020205020404" pitchFamily="49" charset="0"/>
+              </a:rPr>
+              <a:t>calloc</a:t>
+            </a:r>
+            <a:r>
+              <a:rPr lang="en-US" altLang="zh-CN" sz="2000" b="1" dirty="0">
+                <a:solidFill>
+                  <a:srgbClr val="0432FF"/>
+                </a:solidFill>
+                <a:latin typeface="Courier New" panose="02070309020205020404" pitchFamily="49" charset="0"/>
+              </a:rPr>
+              <a:t>(len+1, </a:t>
+            </a:r>
+            <a:r>
+              <a:rPr lang="en-US" altLang="zh-CN" sz="2000" b="1" dirty="0" err="1">
+                <a:solidFill>
+                  <a:srgbClr val="0432FF"/>
+                </a:solidFill>
+                <a:latin typeface="Courier New" panose="02070309020205020404" pitchFamily="49" charset="0"/>
+              </a:rPr>
+              <a:t>sizeof</a:t>
+            </a:r>
+            <a:r>
+              <a:rPr lang="en-US" altLang="zh-CN" sz="2000" b="1" dirty="0">
+                <a:solidFill>
+                  <a:srgbClr val="0432FF"/>
+                </a:solidFill>
+                <a:latin typeface="Courier New" panose="02070309020205020404" pitchFamily="49" charset="0"/>
+              </a:rPr>
+              <a:t>(*p));</a:t>
             </a:r>
           </a:p>
           <a:p>
@@ -17290,9 +18207,63 @@
               <a:buNone/>
             </a:pPr>
             <a:r>
-              <a:rPr lang="en-US" altLang="zh-CN" sz="2000" b="1">
-                <a:solidFill>
-                  <a:schemeClr val="folHlink"/>
+              <a:rPr lang="en-US" altLang="zh-CN" sz="2000" b="1" dirty="0">
+                <a:solidFill>
+                  <a:srgbClr val="0432FF"/>
+                </a:solidFill>
+                <a:latin typeface="Courier New" panose="02070309020205020404" pitchFamily="49" charset="0"/>
+              </a:rPr>
+              <a:t>  while(*p++ = *s++)</a:t>
+            </a:r>
+          </a:p>
+          <a:p>
+            <a:pPr>
+              <a:lnSpc>
+                <a:spcPct val="80000"/>
+              </a:lnSpc>
+              <a:buFont typeface="Wingdings" pitchFamily="2" charset="2"/>
+              <a:buNone/>
+            </a:pPr>
+            <a:r>
+              <a:rPr lang="en-US" altLang="zh-CN" sz="2000" b="1" dirty="0">
+                <a:solidFill>
+                  <a:srgbClr val="0432FF"/>
+                </a:solidFill>
+                <a:latin typeface="Courier New" panose="02070309020205020404" pitchFamily="49" charset="0"/>
+              </a:rPr>
+              <a:t>    ;</a:t>
+            </a:r>
+          </a:p>
+          <a:p>
+            <a:pPr>
+              <a:lnSpc>
+                <a:spcPct val="80000"/>
+              </a:lnSpc>
+              <a:buFont typeface="Wingdings" pitchFamily="2" charset="2"/>
+              <a:buNone/>
+            </a:pPr>
+            <a:r>
+              <a:rPr lang="en-US" altLang="zh-CN" sz="2000" b="1" dirty="0">
+                <a:solidFill>
+                  <a:srgbClr val="0432FF"/>
+                </a:solidFill>
+                <a:latin typeface="Courier New" panose="02070309020205020404" pitchFamily="49" charset="0"/>
+              </a:rPr>
+              <a:t>  return p;</a:t>
+            </a:r>
+          </a:p>
+          <a:p>
+            <a:pPr>
+              <a:lnSpc>
+                <a:spcPct val="80000"/>
+              </a:lnSpc>
+              <a:buFont typeface="Wingdings" pitchFamily="2" charset="2"/>
+              <a:buNone/>
+            </a:pPr>
+            <a:r>
+              <a:rPr lang="en-US" altLang="zh-CN" sz="2000" b="1" dirty="0">
+                <a:solidFill>
+                  <a:srgbClr val="0432FF"/>
                 </a:solidFill>
                 <a:latin typeface="Courier New" panose="02070309020205020404" pitchFamily="49" charset="0"/>
               </a:rPr>
